--- a/Graphic/UI plan.pptx
+++ b/Graphic/UI plan.pptx
@@ -3341,7 +3341,7 @@
           <p:nvPr>
             <p:extLst>
               <p:ext uri="{D42A27DB-BD31-4B8C-83A1-F6EECF244321}">
-                <p14:modId xmlns:p14="http://schemas.microsoft.com/office/powerpoint/2010/main" val="3862802168"/>
+                <p14:modId xmlns:p14="http://schemas.microsoft.com/office/powerpoint/2010/main" val="345032514"/>
               </p:ext>
             </p:extLst>
           </p:nvPr>
@@ -3655,98 +3655,161 @@
                     <a:lstStyle/>
                     <a:p>
                       <a:pPr latinLnBrk="1"/>
-                      <a:endParaRPr lang="ko-KR" altLang="en-US"/>
-                    </a:p>
-                  </a:txBody>
-                  <a:tcPr/>
-                </a:tc>
-                <a:tc>
-                  <a:txBody>
-                    <a:bodyPr/>
-                    <a:lstStyle/>
-                    <a:p>
-                      <a:pPr latinLnBrk="1"/>
-                      <a:endParaRPr lang="ko-KR" altLang="en-US"/>
-                    </a:p>
-                  </a:txBody>
-                  <a:tcPr/>
-                </a:tc>
-                <a:tc>
-                  <a:txBody>
-                    <a:bodyPr/>
-                    <a:lstStyle/>
-                    <a:p>
-                      <a:pPr latinLnBrk="1"/>
-                      <a:endParaRPr lang="ko-KR" altLang="en-US"/>
-                    </a:p>
-                  </a:txBody>
-                  <a:tcPr/>
-                </a:tc>
-                <a:tc>
-                  <a:txBody>
-                    <a:bodyPr/>
-                    <a:lstStyle/>
-                    <a:p>
-                      <a:pPr latinLnBrk="1"/>
                       <a:endParaRPr lang="ko-KR" altLang="en-US" dirty="0"/>
                     </a:p>
                   </a:txBody>
-                  <a:tcPr/>
-                </a:tc>
-                <a:tc>
-                  <a:txBody>
-                    <a:bodyPr/>
-                    <a:lstStyle/>
-                    <a:p>
-                      <a:pPr latinLnBrk="1"/>
-                      <a:endParaRPr lang="ko-KR" altLang="en-US"/>
-                    </a:p>
-                  </a:txBody>
-                  <a:tcPr/>
-                </a:tc>
-                <a:tc>
-                  <a:txBody>
-                    <a:bodyPr/>
-                    <a:lstStyle/>
-                    <a:p>
-                      <a:pPr latinLnBrk="1"/>
-                      <a:endParaRPr lang="ko-KR" altLang="en-US"/>
-                    </a:p>
-                  </a:txBody>
-                  <a:tcPr/>
-                </a:tc>
-                <a:tc>
-                  <a:txBody>
-                    <a:bodyPr/>
-                    <a:lstStyle/>
-                    <a:p>
-                      <a:pPr latinLnBrk="1"/>
-                      <a:endParaRPr lang="ko-KR" altLang="en-US"/>
-                    </a:p>
-                  </a:txBody>
-                  <a:tcPr/>
-                </a:tc>
-                <a:tc>
-                  <a:txBody>
-                    <a:bodyPr/>
-                    <a:lstStyle/>
-                    <a:p>
-                      <a:pPr latinLnBrk="1"/>
-                      <a:endParaRPr lang="ko-KR" altLang="en-US"/>
-                    </a:p>
-                  </a:txBody>
-                  <a:tcPr/>
-                </a:tc>
-                <a:tc>
-                  <a:txBody>
-                    <a:bodyPr/>
-                    <a:lstStyle/>
-                    <a:p>
-                      <a:pPr latinLnBrk="1"/>
-                      <a:endParaRPr lang="ko-KR" altLang="en-US"/>
-                    </a:p>
-                  </a:txBody>
-                  <a:tcPr/>
+                  <a:tcPr>
+                    <a:solidFill>
+                      <a:schemeClr val="accent1">
+                        <a:lumMod val="20000"/>
+                        <a:lumOff val="80000"/>
+                      </a:schemeClr>
+                    </a:solidFill>
+                  </a:tcPr>
+                </a:tc>
+                <a:tc>
+                  <a:txBody>
+                    <a:bodyPr/>
+                    <a:lstStyle/>
+                    <a:p>
+                      <a:pPr latinLnBrk="1"/>
+                      <a:endParaRPr lang="ko-KR" altLang="en-US" dirty="0"/>
+                    </a:p>
+                  </a:txBody>
+                  <a:tcPr>
+                    <a:solidFill>
+                      <a:schemeClr val="accent1">
+                        <a:lumMod val="20000"/>
+                        <a:lumOff val="80000"/>
+                      </a:schemeClr>
+                    </a:solidFill>
+                  </a:tcPr>
+                </a:tc>
+                <a:tc>
+                  <a:txBody>
+                    <a:bodyPr/>
+                    <a:lstStyle/>
+                    <a:p>
+                      <a:pPr latinLnBrk="1"/>
+                      <a:endParaRPr lang="ko-KR" altLang="en-US"/>
+                    </a:p>
+                  </a:txBody>
+                  <a:tcPr>
+                    <a:solidFill>
+                      <a:schemeClr val="accent1">
+                        <a:lumMod val="20000"/>
+                        <a:lumOff val="80000"/>
+                      </a:schemeClr>
+                    </a:solidFill>
+                  </a:tcPr>
+                </a:tc>
+                <a:tc>
+                  <a:txBody>
+                    <a:bodyPr/>
+                    <a:lstStyle/>
+                    <a:p>
+                      <a:pPr latinLnBrk="1"/>
+                      <a:endParaRPr lang="ko-KR" altLang="en-US" dirty="0"/>
+                    </a:p>
+                  </a:txBody>
+                  <a:tcPr>
+                    <a:solidFill>
+                      <a:schemeClr val="accent1">
+                        <a:lumMod val="20000"/>
+                        <a:lumOff val="80000"/>
+                      </a:schemeClr>
+                    </a:solidFill>
+                  </a:tcPr>
+                </a:tc>
+                <a:tc>
+                  <a:txBody>
+                    <a:bodyPr/>
+                    <a:lstStyle/>
+                    <a:p>
+                      <a:pPr latinLnBrk="1"/>
+                      <a:endParaRPr lang="ko-KR" altLang="en-US"/>
+                    </a:p>
+                  </a:txBody>
+                  <a:tcPr>
+                    <a:solidFill>
+                      <a:schemeClr val="accent1">
+                        <a:lumMod val="20000"/>
+                        <a:lumOff val="80000"/>
+                      </a:schemeClr>
+                    </a:solidFill>
+                  </a:tcPr>
+                </a:tc>
+                <a:tc>
+                  <a:txBody>
+                    <a:bodyPr/>
+                    <a:lstStyle/>
+                    <a:p>
+                      <a:pPr latinLnBrk="1"/>
+                      <a:endParaRPr lang="ko-KR" altLang="en-US"/>
+                    </a:p>
+                  </a:txBody>
+                  <a:tcPr>
+                    <a:solidFill>
+                      <a:schemeClr val="accent1">
+                        <a:lumMod val="20000"/>
+                        <a:lumOff val="80000"/>
+                      </a:schemeClr>
+                    </a:solidFill>
+                  </a:tcPr>
+                </a:tc>
+                <a:tc>
+                  <a:txBody>
+                    <a:bodyPr/>
+                    <a:lstStyle/>
+                    <a:p>
+                      <a:pPr latinLnBrk="1"/>
+                      <a:endParaRPr lang="ko-KR" altLang="en-US"/>
+                    </a:p>
+                  </a:txBody>
+                  <a:tcPr>
+                    <a:solidFill>
+                      <a:schemeClr val="accent1">
+                        <a:lumMod val="20000"/>
+                        <a:lumOff val="80000"/>
+                      </a:schemeClr>
+                    </a:solidFill>
+                  </a:tcPr>
+                </a:tc>
+                <a:tc>
+                  <a:txBody>
+                    <a:bodyPr/>
+                    <a:lstStyle/>
+                    <a:p>
+                      <a:pPr latinLnBrk="1"/>
+                      <a:endParaRPr lang="ko-KR" altLang="en-US" dirty="0"/>
+                    </a:p>
+                  </a:txBody>
+                  <a:tcPr>
+                    <a:solidFill>
+                      <a:schemeClr val="accent4">
+                        <a:lumMod val="20000"/>
+                        <a:lumOff val="80000"/>
+                      </a:schemeClr>
+                    </a:solidFill>
+                  </a:tcPr>
+                </a:tc>
+                <a:tc>
+                  <a:txBody>
+                    <a:bodyPr/>
+                    <a:lstStyle/>
+                    <a:p>
+                      <a:pPr latinLnBrk="1"/>
+                      <a:endParaRPr lang="ko-KR" altLang="en-US" dirty="0"/>
+                    </a:p>
+                  </a:txBody>
+                  <a:tcPr>
+                    <a:solidFill>
+                      <a:schemeClr val="accent4">
+                        <a:lumMod val="20000"/>
+                        <a:lumOff val="80000"/>
+                      </a:schemeClr>
+                    </a:solidFill>
+                  </a:tcPr>
                 </a:tc>
                 <a:tc>
                   <a:txBody>
@@ -3768,7 +3831,10 @@
                       <a:tailEnd type="none" w="med" len="med"/>
                     </a:lnR>
                     <a:solidFill>
-                      <a:schemeClr val="bg1"/>
+                      <a:schemeClr val="accent4">
+                        <a:lumMod val="20000"/>
+                        <a:lumOff val="80000"/>
+                      </a:schemeClr>
                     </a:solidFill>
                   </a:tcPr>
                 </a:tc>
@@ -3792,108 +3858,174 @@
                       <a:tailEnd type="none" w="med" len="med"/>
                     </a:lnL>
                     <a:solidFill>
-                      <a:schemeClr val="bg1"/>
-                    </a:solidFill>
-                  </a:tcPr>
-                </a:tc>
-                <a:tc>
-                  <a:txBody>
-                    <a:bodyPr/>
-                    <a:lstStyle/>
-                    <a:p>
-                      <a:pPr latinLnBrk="1"/>
-                      <a:endParaRPr lang="ko-KR" altLang="en-US"/>
-                    </a:p>
-                  </a:txBody>
-                  <a:tcPr/>
-                </a:tc>
-                <a:tc>
-                  <a:txBody>
-                    <a:bodyPr/>
-                    <a:lstStyle/>
-                    <a:p>
-                      <a:pPr latinLnBrk="1"/>
-                      <a:endParaRPr lang="ko-KR" altLang="en-US"/>
-                    </a:p>
-                  </a:txBody>
-                  <a:tcPr/>
-                </a:tc>
-                <a:tc>
-                  <a:txBody>
-                    <a:bodyPr/>
-                    <a:lstStyle/>
-                    <a:p>
-                      <a:pPr latinLnBrk="1"/>
-                      <a:endParaRPr lang="ko-KR" altLang="en-US"/>
-                    </a:p>
-                  </a:txBody>
-                  <a:tcPr/>
-                </a:tc>
-                <a:tc>
-                  <a:txBody>
-                    <a:bodyPr/>
-                    <a:lstStyle/>
-                    <a:p>
-                      <a:pPr latinLnBrk="1"/>
-                      <a:endParaRPr lang="ko-KR" altLang="en-US"/>
-                    </a:p>
-                  </a:txBody>
-                  <a:tcPr/>
-                </a:tc>
-                <a:tc>
-                  <a:txBody>
-                    <a:bodyPr/>
-                    <a:lstStyle/>
-                    <a:p>
-                      <a:pPr latinLnBrk="1"/>
-                      <a:endParaRPr lang="ko-KR" altLang="en-US"/>
-                    </a:p>
-                  </a:txBody>
-                  <a:tcPr/>
-                </a:tc>
-                <a:tc>
-                  <a:txBody>
-                    <a:bodyPr/>
-                    <a:lstStyle/>
-                    <a:p>
-                      <a:pPr latinLnBrk="1"/>
-                      <a:endParaRPr lang="ko-KR" altLang="en-US"/>
-                    </a:p>
-                  </a:txBody>
-                  <a:tcPr/>
-                </a:tc>
-                <a:tc>
-                  <a:txBody>
-                    <a:bodyPr/>
-                    <a:lstStyle/>
-                    <a:p>
-                      <a:pPr latinLnBrk="1"/>
-                      <a:endParaRPr lang="ko-KR" altLang="en-US"/>
-                    </a:p>
-                  </a:txBody>
-                  <a:tcPr/>
-                </a:tc>
-                <a:tc>
-                  <a:txBody>
-                    <a:bodyPr/>
-                    <a:lstStyle/>
-                    <a:p>
-                      <a:pPr latinLnBrk="1"/>
-                      <a:endParaRPr lang="ko-KR" altLang="en-US"/>
-                    </a:p>
-                  </a:txBody>
-                  <a:tcPr/>
-                </a:tc>
-                <a:tc>
-                  <a:txBody>
-                    <a:bodyPr/>
-                    <a:lstStyle/>
-                    <a:p>
-                      <a:pPr latinLnBrk="1"/>
-                      <a:endParaRPr lang="ko-KR" altLang="en-US"/>
-                    </a:p>
-                  </a:txBody>
-                  <a:tcPr/>
+                      <a:schemeClr val="accent4">
+                        <a:lumMod val="20000"/>
+                        <a:lumOff val="80000"/>
+                      </a:schemeClr>
+                    </a:solidFill>
+                  </a:tcPr>
+                </a:tc>
+                <a:tc>
+                  <a:txBody>
+                    <a:bodyPr/>
+                    <a:lstStyle/>
+                    <a:p>
+                      <a:pPr latinLnBrk="1"/>
+                      <a:endParaRPr lang="ko-KR" altLang="en-US"/>
+                    </a:p>
+                  </a:txBody>
+                  <a:tcPr>
+                    <a:solidFill>
+                      <a:schemeClr val="accent4">
+                        <a:lumMod val="20000"/>
+                        <a:lumOff val="80000"/>
+                      </a:schemeClr>
+                    </a:solidFill>
+                  </a:tcPr>
+                </a:tc>
+                <a:tc>
+                  <a:txBody>
+                    <a:bodyPr/>
+                    <a:lstStyle/>
+                    <a:p>
+                      <a:pPr latinLnBrk="1"/>
+                      <a:endParaRPr lang="ko-KR" altLang="en-US"/>
+                    </a:p>
+                  </a:txBody>
+                  <a:tcPr>
+                    <a:solidFill>
+                      <a:schemeClr val="accent4">
+                        <a:lumMod val="20000"/>
+                        <a:lumOff val="80000"/>
+                      </a:schemeClr>
+                    </a:solidFill>
+                  </a:tcPr>
+                </a:tc>
+                <a:tc>
+                  <a:txBody>
+                    <a:bodyPr/>
+                    <a:lstStyle/>
+                    <a:p>
+                      <a:pPr latinLnBrk="1"/>
+                      <a:endParaRPr lang="ko-KR" altLang="en-US" dirty="0"/>
+                    </a:p>
+                  </a:txBody>
+                  <a:tcPr>
+                    <a:solidFill>
+                      <a:schemeClr val="accent1">
+                        <a:lumMod val="20000"/>
+                        <a:lumOff val="80000"/>
+                      </a:schemeClr>
+                    </a:solidFill>
+                  </a:tcPr>
+                </a:tc>
+                <a:tc>
+                  <a:txBody>
+                    <a:bodyPr/>
+                    <a:lstStyle/>
+                    <a:p>
+                      <a:pPr latinLnBrk="1"/>
+                      <a:endParaRPr lang="ko-KR" altLang="en-US" dirty="0"/>
+                    </a:p>
+                  </a:txBody>
+                  <a:tcPr>
+                    <a:solidFill>
+                      <a:schemeClr val="accent1">
+                        <a:lumMod val="20000"/>
+                        <a:lumOff val="80000"/>
+                      </a:schemeClr>
+                    </a:solidFill>
+                  </a:tcPr>
+                </a:tc>
+                <a:tc>
+                  <a:txBody>
+                    <a:bodyPr/>
+                    <a:lstStyle/>
+                    <a:p>
+                      <a:pPr latinLnBrk="1"/>
+                      <a:endParaRPr lang="ko-KR" altLang="en-US"/>
+                    </a:p>
+                  </a:txBody>
+                  <a:tcPr>
+                    <a:solidFill>
+                      <a:schemeClr val="accent1">
+                        <a:lumMod val="20000"/>
+                        <a:lumOff val="80000"/>
+                      </a:schemeClr>
+                    </a:solidFill>
+                  </a:tcPr>
+                </a:tc>
+                <a:tc>
+                  <a:txBody>
+                    <a:bodyPr/>
+                    <a:lstStyle/>
+                    <a:p>
+                      <a:pPr latinLnBrk="1"/>
+                      <a:endParaRPr lang="ko-KR" altLang="en-US"/>
+                    </a:p>
+                  </a:txBody>
+                  <a:tcPr>
+                    <a:solidFill>
+                      <a:schemeClr val="accent1">
+                        <a:lumMod val="20000"/>
+                        <a:lumOff val="80000"/>
+                      </a:schemeClr>
+                    </a:solidFill>
+                  </a:tcPr>
+                </a:tc>
+                <a:tc>
+                  <a:txBody>
+                    <a:bodyPr/>
+                    <a:lstStyle/>
+                    <a:p>
+                      <a:pPr latinLnBrk="1"/>
+                      <a:endParaRPr lang="ko-KR" altLang="en-US"/>
+                    </a:p>
+                  </a:txBody>
+                  <a:tcPr>
+                    <a:solidFill>
+                      <a:schemeClr val="accent1">
+                        <a:lumMod val="20000"/>
+                        <a:lumOff val="80000"/>
+                      </a:schemeClr>
+                    </a:solidFill>
+                  </a:tcPr>
+                </a:tc>
+                <a:tc>
+                  <a:txBody>
+                    <a:bodyPr/>
+                    <a:lstStyle/>
+                    <a:p>
+                      <a:pPr latinLnBrk="1"/>
+                      <a:endParaRPr lang="ko-KR" altLang="en-US"/>
+                    </a:p>
+                  </a:txBody>
+                  <a:tcPr>
+                    <a:solidFill>
+                      <a:schemeClr val="accent1">
+                        <a:lumMod val="20000"/>
+                        <a:lumOff val="80000"/>
+                      </a:schemeClr>
+                    </a:solidFill>
+                  </a:tcPr>
+                </a:tc>
+                <a:tc>
+                  <a:txBody>
+                    <a:bodyPr/>
+                    <a:lstStyle/>
+                    <a:p>
+                      <a:pPr latinLnBrk="1"/>
+                      <a:endParaRPr lang="ko-KR" altLang="en-US"/>
+                    </a:p>
+                  </a:txBody>
+                  <a:tcPr>
+                    <a:solidFill>
+                      <a:schemeClr val="accent1">
+                        <a:lumMod val="20000"/>
+                        <a:lumOff val="80000"/>
+                      </a:schemeClr>
+                    </a:solidFill>
+                  </a:tcPr>
                 </a:tc>
                 <a:tc>
                   <a:txBody>
@@ -4043,95 +4175,158 @@
                       <a:endParaRPr lang="ko-KR" altLang="en-US"/>
                     </a:p>
                   </a:txBody>
-                  <a:tcPr/>
-                </a:tc>
-                <a:tc>
-                  <a:txBody>
-                    <a:bodyPr/>
-                    <a:lstStyle/>
-                    <a:p>
-                      <a:pPr latinLnBrk="1"/>
-                      <a:endParaRPr lang="ko-KR" altLang="en-US"/>
-                    </a:p>
-                  </a:txBody>
-                  <a:tcPr/>
-                </a:tc>
-                <a:tc>
-                  <a:txBody>
-                    <a:bodyPr/>
-                    <a:lstStyle/>
-                    <a:p>
-                      <a:pPr latinLnBrk="1"/>
-                      <a:endParaRPr lang="ko-KR" altLang="en-US"/>
-                    </a:p>
-                  </a:txBody>
-                  <a:tcPr/>
-                </a:tc>
-                <a:tc>
-                  <a:txBody>
-                    <a:bodyPr/>
-                    <a:lstStyle/>
-                    <a:p>
-                      <a:pPr latinLnBrk="1"/>
-                      <a:endParaRPr lang="ko-KR" altLang="en-US"/>
-                    </a:p>
-                  </a:txBody>
-                  <a:tcPr/>
-                </a:tc>
-                <a:tc>
-                  <a:txBody>
-                    <a:bodyPr/>
-                    <a:lstStyle/>
-                    <a:p>
-                      <a:pPr latinLnBrk="1"/>
-                      <a:endParaRPr lang="ko-KR" altLang="en-US"/>
-                    </a:p>
-                  </a:txBody>
-                  <a:tcPr/>
-                </a:tc>
-                <a:tc>
-                  <a:txBody>
-                    <a:bodyPr/>
-                    <a:lstStyle/>
-                    <a:p>
-                      <a:pPr latinLnBrk="1"/>
-                      <a:endParaRPr lang="ko-KR" altLang="en-US"/>
-                    </a:p>
-                  </a:txBody>
-                  <a:tcPr/>
-                </a:tc>
-                <a:tc>
-                  <a:txBody>
-                    <a:bodyPr/>
-                    <a:lstStyle/>
-                    <a:p>
-                      <a:pPr latinLnBrk="1"/>
-                      <a:endParaRPr lang="ko-KR" altLang="en-US"/>
-                    </a:p>
-                  </a:txBody>
-                  <a:tcPr/>
-                </a:tc>
-                <a:tc>
-                  <a:txBody>
-                    <a:bodyPr/>
-                    <a:lstStyle/>
-                    <a:p>
-                      <a:pPr latinLnBrk="1"/>
-                      <a:endParaRPr lang="ko-KR" altLang="en-US"/>
-                    </a:p>
-                  </a:txBody>
-                  <a:tcPr/>
-                </a:tc>
-                <a:tc>
-                  <a:txBody>
-                    <a:bodyPr/>
-                    <a:lstStyle/>
-                    <a:p>
-                      <a:pPr latinLnBrk="1"/>
-                      <a:endParaRPr lang="ko-KR" altLang="en-US"/>
-                    </a:p>
-                  </a:txBody>
-                  <a:tcPr/>
+                  <a:tcPr>
+                    <a:solidFill>
+                      <a:schemeClr val="accent1">
+                        <a:lumMod val="20000"/>
+                        <a:lumOff val="80000"/>
+                      </a:schemeClr>
+                    </a:solidFill>
+                  </a:tcPr>
+                </a:tc>
+                <a:tc>
+                  <a:txBody>
+                    <a:bodyPr/>
+                    <a:lstStyle/>
+                    <a:p>
+                      <a:pPr latinLnBrk="1"/>
+                      <a:endParaRPr lang="ko-KR" altLang="en-US"/>
+                    </a:p>
+                  </a:txBody>
+                  <a:tcPr>
+                    <a:solidFill>
+                      <a:schemeClr val="accent1">
+                        <a:lumMod val="20000"/>
+                        <a:lumOff val="80000"/>
+                      </a:schemeClr>
+                    </a:solidFill>
+                  </a:tcPr>
+                </a:tc>
+                <a:tc>
+                  <a:txBody>
+                    <a:bodyPr/>
+                    <a:lstStyle/>
+                    <a:p>
+                      <a:pPr latinLnBrk="1"/>
+                      <a:endParaRPr lang="ko-KR" altLang="en-US"/>
+                    </a:p>
+                  </a:txBody>
+                  <a:tcPr>
+                    <a:solidFill>
+                      <a:schemeClr val="accent1">
+                        <a:lumMod val="20000"/>
+                        <a:lumOff val="80000"/>
+                      </a:schemeClr>
+                    </a:solidFill>
+                  </a:tcPr>
+                </a:tc>
+                <a:tc>
+                  <a:txBody>
+                    <a:bodyPr/>
+                    <a:lstStyle/>
+                    <a:p>
+                      <a:pPr latinLnBrk="1"/>
+                      <a:endParaRPr lang="ko-KR" altLang="en-US"/>
+                    </a:p>
+                  </a:txBody>
+                  <a:tcPr>
+                    <a:solidFill>
+                      <a:schemeClr val="accent1">
+                        <a:lumMod val="20000"/>
+                        <a:lumOff val="80000"/>
+                      </a:schemeClr>
+                    </a:solidFill>
+                  </a:tcPr>
+                </a:tc>
+                <a:tc>
+                  <a:txBody>
+                    <a:bodyPr/>
+                    <a:lstStyle/>
+                    <a:p>
+                      <a:pPr latinLnBrk="1"/>
+                      <a:endParaRPr lang="ko-KR" altLang="en-US" dirty="0"/>
+                    </a:p>
+                  </a:txBody>
+                  <a:tcPr>
+                    <a:solidFill>
+                      <a:schemeClr val="accent1">
+                        <a:lumMod val="20000"/>
+                        <a:lumOff val="80000"/>
+                      </a:schemeClr>
+                    </a:solidFill>
+                  </a:tcPr>
+                </a:tc>
+                <a:tc>
+                  <a:txBody>
+                    <a:bodyPr/>
+                    <a:lstStyle/>
+                    <a:p>
+                      <a:pPr latinLnBrk="1"/>
+                      <a:endParaRPr lang="ko-KR" altLang="en-US"/>
+                    </a:p>
+                  </a:txBody>
+                  <a:tcPr>
+                    <a:solidFill>
+                      <a:schemeClr val="accent1">
+                        <a:lumMod val="20000"/>
+                        <a:lumOff val="80000"/>
+                      </a:schemeClr>
+                    </a:solidFill>
+                  </a:tcPr>
+                </a:tc>
+                <a:tc>
+                  <a:txBody>
+                    <a:bodyPr/>
+                    <a:lstStyle/>
+                    <a:p>
+                      <a:pPr latinLnBrk="1"/>
+                      <a:endParaRPr lang="ko-KR" altLang="en-US" dirty="0"/>
+                    </a:p>
+                  </a:txBody>
+                  <a:tcPr>
+                    <a:solidFill>
+                      <a:schemeClr val="accent1">
+                        <a:lumMod val="20000"/>
+                        <a:lumOff val="80000"/>
+                      </a:schemeClr>
+                    </a:solidFill>
+                  </a:tcPr>
+                </a:tc>
+                <a:tc>
+                  <a:txBody>
+                    <a:bodyPr/>
+                    <a:lstStyle/>
+                    <a:p>
+                      <a:pPr latinLnBrk="1"/>
+                      <a:endParaRPr lang="ko-KR" altLang="en-US" dirty="0"/>
+                    </a:p>
+                  </a:txBody>
+                  <a:tcPr>
+                    <a:solidFill>
+                      <a:schemeClr val="accent4">
+                        <a:lumMod val="20000"/>
+                        <a:lumOff val="80000"/>
+                      </a:schemeClr>
+                    </a:solidFill>
+                  </a:tcPr>
+                </a:tc>
+                <a:tc>
+                  <a:txBody>
+                    <a:bodyPr/>
+                    <a:lstStyle/>
+                    <a:p>
+                      <a:pPr latinLnBrk="1"/>
+                      <a:endParaRPr lang="ko-KR" altLang="en-US" dirty="0"/>
+                    </a:p>
+                  </a:txBody>
+                  <a:tcPr>
+                    <a:solidFill>
+                      <a:schemeClr val="accent4">
+                        <a:lumMod val="20000"/>
+                        <a:lumOff val="80000"/>
+                      </a:schemeClr>
+                    </a:solidFill>
+                  </a:tcPr>
                 </a:tc>
                 <a:tc>
                   <a:txBody>
@@ -4153,7 +4348,10 @@
                       <a:tailEnd type="none" w="med" len="med"/>
                     </a:lnR>
                     <a:solidFill>
-                      <a:schemeClr val="bg1"/>
+                      <a:schemeClr val="accent4">
+                        <a:lumMod val="20000"/>
+                        <a:lumOff val="80000"/>
+                      </a:schemeClr>
                     </a:solidFill>
                   </a:tcPr>
                 </a:tc>
@@ -4177,108 +4375,174 @@
                       <a:tailEnd type="none" w="med" len="med"/>
                     </a:lnL>
                     <a:solidFill>
-                      <a:schemeClr val="bg1"/>
-                    </a:solidFill>
-                  </a:tcPr>
-                </a:tc>
-                <a:tc>
-                  <a:txBody>
-                    <a:bodyPr/>
-                    <a:lstStyle/>
-                    <a:p>
-                      <a:pPr latinLnBrk="1"/>
-                      <a:endParaRPr lang="ko-KR" altLang="en-US"/>
-                    </a:p>
-                  </a:txBody>
-                  <a:tcPr/>
-                </a:tc>
-                <a:tc>
-                  <a:txBody>
-                    <a:bodyPr/>
-                    <a:lstStyle/>
-                    <a:p>
-                      <a:pPr latinLnBrk="1"/>
-                      <a:endParaRPr lang="ko-KR" altLang="en-US"/>
-                    </a:p>
-                  </a:txBody>
-                  <a:tcPr/>
-                </a:tc>
-                <a:tc>
-                  <a:txBody>
-                    <a:bodyPr/>
-                    <a:lstStyle/>
-                    <a:p>
-                      <a:pPr latinLnBrk="1"/>
-                      <a:endParaRPr lang="ko-KR" altLang="en-US"/>
-                    </a:p>
-                  </a:txBody>
-                  <a:tcPr/>
-                </a:tc>
-                <a:tc>
-                  <a:txBody>
-                    <a:bodyPr/>
-                    <a:lstStyle/>
-                    <a:p>
-                      <a:pPr latinLnBrk="1"/>
-                      <a:endParaRPr lang="ko-KR" altLang="en-US"/>
-                    </a:p>
-                  </a:txBody>
-                  <a:tcPr/>
-                </a:tc>
-                <a:tc>
-                  <a:txBody>
-                    <a:bodyPr/>
-                    <a:lstStyle/>
-                    <a:p>
-                      <a:pPr latinLnBrk="1"/>
-                      <a:endParaRPr lang="ko-KR" altLang="en-US"/>
-                    </a:p>
-                  </a:txBody>
-                  <a:tcPr/>
-                </a:tc>
-                <a:tc>
-                  <a:txBody>
-                    <a:bodyPr/>
-                    <a:lstStyle/>
-                    <a:p>
-                      <a:pPr latinLnBrk="1"/>
-                      <a:endParaRPr lang="ko-KR" altLang="en-US"/>
-                    </a:p>
-                  </a:txBody>
-                  <a:tcPr/>
-                </a:tc>
-                <a:tc>
-                  <a:txBody>
-                    <a:bodyPr/>
-                    <a:lstStyle/>
-                    <a:p>
-                      <a:pPr latinLnBrk="1"/>
-                      <a:endParaRPr lang="ko-KR" altLang="en-US"/>
-                    </a:p>
-                  </a:txBody>
-                  <a:tcPr/>
-                </a:tc>
-                <a:tc>
-                  <a:txBody>
-                    <a:bodyPr/>
-                    <a:lstStyle/>
-                    <a:p>
-                      <a:pPr latinLnBrk="1"/>
-                      <a:endParaRPr lang="ko-KR" altLang="en-US"/>
-                    </a:p>
-                  </a:txBody>
-                  <a:tcPr/>
-                </a:tc>
-                <a:tc>
-                  <a:txBody>
-                    <a:bodyPr/>
-                    <a:lstStyle/>
-                    <a:p>
-                      <a:pPr latinLnBrk="1"/>
-                      <a:endParaRPr lang="ko-KR" altLang="en-US"/>
-                    </a:p>
-                  </a:txBody>
-                  <a:tcPr/>
+                      <a:schemeClr val="accent4">
+                        <a:lumMod val="20000"/>
+                        <a:lumOff val="80000"/>
+                      </a:schemeClr>
+                    </a:solidFill>
+                  </a:tcPr>
+                </a:tc>
+                <a:tc>
+                  <a:txBody>
+                    <a:bodyPr/>
+                    <a:lstStyle/>
+                    <a:p>
+                      <a:pPr latinLnBrk="1"/>
+                      <a:endParaRPr lang="ko-KR" altLang="en-US"/>
+                    </a:p>
+                  </a:txBody>
+                  <a:tcPr>
+                    <a:solidFill>
+                      <a:schemeClr val="accent4">
+                        <a:lumMod val="20000"/>
+                        <a:lumOff val="80000"/>
+                      </a:schemeClr>
+                    </a:solidFill>
+                  </a:tcPr>
+                </a:tc>
+                <a:tc>
+                  <a:txBody>
+                    <a:bodyPr/>
+                    <a:lstStyle/>
+                    <a:p>
+                      <a:pPr latinLnBrk="1"/>
+                      <a:endParaRPr lang="ko-KR" altLang="en-US"/>
+                    </a:p>
+                  </a:txBody>
+                  <a:tcPr>
+                    <a:solidFill>
+                      <a:schemeClr val="accent4">
+                        <a:lumMod val="20000"/>
+                        <a:lumOff val="80000"/>
+                      </a:schemeClr>
+                    </a:solidFill>
+                  </a:tcPr>
+                </a:tc>
+                <a:tc>
+                  <a:txBody>
+                    <a:bodyPr/>
+                    <a:lstStyle/>
+                    <a:p>
+                      <a:pPr latinLnBrk="1"/>
+                      <a:endParaRPr lang="ko-KR" altLang="en-US"/>
+                    </a:p>
+                  </a:txBody>
+                  <a:tcPr>
+                    <a:solidFill>
+                      <a:schemeClr val="accent1">
+                        <a:lumMod val="20000"/>
+                        <a:lumOff val="80000"/>
+                      </a:schemeClr>
+                    </a:solidFill>
+                  </a:tcPr>
+                </a:tc>
+                <a:tc>
+                  <a:txBody>
+                    <a:bodyPr/>
+                    <a:lstStyle/>
+                    <a:p>
+                      <a:pPr latinLnBrk="1"/>
+                      <a:endParaRPr lang="ko-KR" altLang="en-US"/>
+                    </a:p>
+                  </a:txBody>
+                  <a:tcPr>
+                    <a:solidFill>
+                      <a:schemeClr val="accent1">
+                        <a:lumMod val="20000"/>
+                        <a:lumOff val="80000"/>
+                      </a:schemeClr>
+                    </a:solidFill>
+                  </a:tcPr>
+                </a:tc>
+                <a:tc>
+                  <a:txBody>
+                    <a:bodyPr/>
+                    <a:lstStyle/>
+                    <a:p>
+                      <a:pPr latinLnBrk="1"/>
+                      <a:endParaRPr lang="ko-KR" altLang="en-US" dirty="0"/>
+                    </a:p>
+                  </a:txBody>
+                  <a:tcPr>
+                    <a:solidFill>
+                      <a:schemeClr val="accent1">
+                        <a:lumMod val="20000"/>
+                        <a:lumOff val="80000"/>
+                      </a:schemeClr>
+                    </a:solidFill>
+                  </a:tcPr>
+                </a:tc>
+                <a:tc>
+                  <a:txBody>
+                    <a:bodyPr/>
+                    <a:lstStyle/>
+                    <a:p>
+                      <a:pPr latinLnBrk="1"/>
+                      <a:endParaRPr lang="ko-KR" altLang="en-US" dirty="0"/>
+                    </a:p>
+                  </a:txBody>
+                  <a:tcPr>
+                    <a:solidFill>
+                      <a:schemeClr val="accent1">
+                        <a:lumMod val="20000"/>
+                        <a:lumOff val="80000"/>
+                      </a:schemeClr>
+                    </a:solidFill>
+                  </a:tcPr>
+                </a:tc>
+                <a:tc>
+                  <a:txBody>
+                    <a:bodyPr/>
+                    <a:lstStyle/>
+                    <a:p>
+                      <a:pPr latinLnBrk="1"/>
+                      <a:endParaRPr lang="ko-KR" altLang="en-US" dirty="0"/>
+                    </a:p>
+                  </a:txBody>
+                  <a:tcPr>
+                    <a:solidFill>
+                      <a:schemeClr val="accent1">
+                        <a:lumMod val="20000"/>
+                        <a:lumOff val="80000"/>
+                      </a:schemeClr>
+                    </a:solidFill>
+                  </a:tcPr>
+                </a:tc>
+                <a:tc>
+                  <a:txBody>
+                    <a:bodyPr/>
+                    <a:lstStyle/>
+                    <a:p>
+                      <a:pPr latinLnBrk="1"/>
+                      <a:endParaRPr lang="ko-KR" altLang="en-US" dirty="0"/>
+                    </a:p>
+                  </a:txBody>
+                  <a:tcPr>
+                    <a:solidFill>
+                      <a:schemeClr val="accent1">
+                        <a:lumMod val="20000"/>
+                        <a:lumOff val="80000"/>
+                      </a:schemeClr>
+                    </a:solidFill>
+                  </a:tcPr>
+                </a:tc>
+                <a:tc>
+                  <a:txBody>
+                    <a:bodyPr/>
+                    <a:lstStyle/>
+                    <a:p>
+                      <a:pPr latinLnBrk="1"/>
+                      <a:endParaRPr lang="ko-KR" altLang="en-US" dirty="0"/>
+                    </a:p>
+                  </a:txBody>
+                  <a:tcPr>
+                    <a:solidFill>
+                      <a:schemeClr val="accent1">
+                        <a:lumMod val="20000"/>
+                        <a:lumOff val="80000"/>
+                      </a:schemeClr>
+                    </a:solidFill>
+                  </a:tcPr>
                 </a:tc>
                 <a:tc>
                   <a:txBody>
@@ -4362,18 +4626,32 @@
                       <a:endParaRPr lang="ko-KR" altLang="en-US"/>
                     </a:p>
                   </a:txBody>
-                  <a:tcPr/>
-                </a:tc>
-                <a:tc>
-                  <a:txBody>
-                    <a:bodyPr/>
-                    <a:lstStyle/>
-                    <a:p>
-                      <a:pPr latinLnBrk="1"/>
-                      <a:endParaRPr lang="ko-KR" altLang="en-US"/>
-                    </a:p>
-                  </a:txBody>
-                  <a:tcPr/>
+                  <a:tcPr>
+                    <a:solidFill>
+                      <a:schemeClr val="accent6">
+                        <a:lumMod val="20000"/>
+                        <a:lumOff val="80000"/>
+                      </a:schemeClr>
+                    </a:solidFill>
+                  </a:tcPr>
+                </a:tc>
+                <a:tc>
+                  <a:txBody>
+                    <a:bodyPr/>
+                    <a:lstStyle/>
+                    <a:p>
+                      <a:pPr latinLnBrk="1"/>
+                      <a:endParaRPr lang="ko-KR" altLang="en-US"/>
+                    </a:p>
+                  </a:txBody>
+                  <a:tcPr>
+                    <a:solidFill>
+                      <a:schemeClr val="accent6">
+                        <a:lumMod val="20000"/>
+                        <a:lumOff val="80000"/>
+                      </a:schemeClr>
+                    </a:solidFill>
+                  </a:tcPr>
                 </a:tc>
                 <a:tc>
                   <a:txBody>
@@ -4505,18 +4783,32 @@
                       <a:endParaRPr lang="ko-KR" altLang="en-US" dirty="0"/>
                     </a:p>
                   </a:txBody>
-                  <a:tcPr/>
-                </a:tc>
-                <a:tc>
-                  <a:txBody>
-                    <a:bodyPr/>
-                    <a:lstStyle/>
-                    <a:p>
-                      <a:pPr latinLnBrk="1"/>
-                      <a:endParaRPr lang="ko-KR" altLang="en-US"/>
-                    </a:p>
-                  </a:txBody>
-                  <a:tcPr/>
+                  <a:tcPr>
+                    <a:solidFill>
+                      <a:schemeClr val="accent4">
+                        <a:lumMod val="20000"/>
+                        <a:lumOff val="80000"/>
+                      </a:schemeClr>
+                    </a:solidFill>
+                  </a:tcPr>
+                </a:tc>
+                <a:tc>
+                  <a:txBody>
+                    <a:bodyPr/>
+                    <a:lstStyle/>
+                    <a:p>
+                      <a:pPr latinLnBrk="1"/>
+                      <a:endParaRPr lang="ko-KR" altLang="en-US"/>
+                    </a:p>
+                  </a:txBody>
+                  <a:tcPr>
+                    <a:solidFill>
+                      <a:schemeClr val="accent4">
+                        <a:lumMod val="20000"/>
+                        <a:lumOff val="80000"/>
+                      </a:schemeClr>
+                    </a:solidFill>
+                  </a:tcPr>
                 </a:tc>
                 <a:tc>
                   <a:txBody>
@@ -4538,17 +4830,20 @@
                       <a:tailEnd type="none" w="med" len="med"/>
                     </a:lnR>
                     <a:solidFill>
-                      <a:schemeClr val="bg1"/>
-                    </a:solidFill>
-                  </a:tcPr>
-                </a:tc>
-                <a:tc>
-                  <a:txBody>
-                    <a:bodyPr/>
-                    <a:lstStyle/>
-                    <a:p>
-                      <a:pPr latinLnBrk="1"/>
-                      <a:endParaRPr lang="ko-KR" altLang="en-US"/>
+                      <a:schemeClr val="accent4">
+                        <a:lumMod val="20000"/>
+                        <a:lumOff val="80000"/>
+                      </a:schemeClr>
+                    </a:solidFill>
+                  </a:tcPr>
+                </a:tc>
+                <a:tc>
+                  <a:txBody>
+                    <a:bodyPr/>
+                    <a:lstStyle/>
+                    <a:p>
+                      <a:pPr latinLnBrk="1"/>
+                      <a:endParaRPr lang="ko-KR" altLang="en-US" dirty="0"/>
                     </a:p>
                   </a:txBody>
                   <a:tcPr>
@@ -4562,174 +4857,205 @@
                       <a:tailEnd type="none" w="med" len="med"/>
                     </a:lnL>
                     <a:solidFill>
-                      <a:schemeClr val="bg1"/>
-                    </a:solidFill>
-                  </a:tcPr>
-                </a:tc>
-                <a:tc>
-                  <a:txBody>
-                    <a:bodyPr/>
-                    <a:lstStyle/>
-                    <a:p>
-                      <a:pPr latinLnBrk="1"/>
-                      <a:endParaRPr lang="ko-KR" altLang="en-US"/>
-                    </a:p>
-                  </a:txBody>
-                  <a:tcPr/>
-                </a:tc>
-                <a:tc>
-                  <a:txBody>
-                    <a:bodyPr/>
-                    <a:lstStyle/>
-                    <a:p>
-                      <a:pPr latinLnBrk="1"/>
-                      <a:endParaRPr lang="ko-KR" altLang="en-US"/>
-                    </a:p>
-                  </a:txBody>
-                  <a:tcPr/>
-                </a:tc>
-                <a:tc>
-                  <a:txBody>
-                    <a:bodyPr/>
-                    <a:lstStyle/>
-                    <a:p>
-                      <a:pPr latinLnBrk="1"/>
-                      <a:endParaRPr lang="ko-KR" altLang="en-US"/>
-                    </a:p>
-                  </a:txBody>
-                  <a:tcPr/>
-                </a:tc>
-                <a:tc>
-                  <a:txBody>
-                    <a:bodyPr/>
-                    <a:lstStyle/>
-                    <a:p>
-                      <a:pPr latinLnBrk="1"/>
-                      <a:endParaRPr lang="ko-KR" altLang="en-US"/>
-                    </a:p>
-                  </a:txBody>
-                  <a:tcPr/>
-                </a:tc>
-                <a:tc>
-                  <a:txBody>
-                    <a:bodyPr/>
-                    <a:lstStyle/>
-                    <a:p>
-                      <a:pPr latinLnBrk="1"/>
-                      <a:endParaRPr lang="ko-KR" altLang="en-US"/>
-                    </a:p>
-                  </a:txBody>
-                  <a:tcPr/>
-                </a:tc>
-                <a:tc>
-                  <a:txBody>
-                    <a:bodyPr/>
-                    <a:lstStyle/>
-                    <a:p>
-                      <a:pPr latinLnBrk="1"/>
-                      <a:endParaRPr lang="ko-KR" altLang="en-US"/>
-                    </a:p>
-                  </a:txBody>
-                  <a:tcPr/>
-                </a:tc>
-                <a:tc>
-                  <a:txBody>
-                    <a:bodyPr/>
-                    <a:lstStyle/>
-                    <a:p>
-                      <a:pPr latinLnBrk="1"/>
-                      <a:endParaRPr lang="ko-KR" altLang="en-US"/>
-                    </a:p>
-                  </a:txBody>
-                  <a:tcPr/>
-                </a:tc>
-                <a:tc>
-                  <a:txBody>
-                    <a:bodyPr/>
-                    <a:lstStyle/>
-                    <a:p>
-                      <a:pPr latinLnBrk="1"/>
-                      <a:endParaRPr lang="ko-KR" altLang="en-US"/>
-                    </a:p>
-                  </a:txBody>
-                  <a:tcPr/>
-                </a:tc>
-                <a:tc>
-                  <a:txBody>
-                    <a:bodyPr/>
-                    <a:lstStyle/>
-                    <a:p>
-                      <a:pPr latinLnBrk="1"/>
-                      <a:endParaRPr lang="ko-KR" altLang="en-US"/>
-                    </a:p>
-                  </a:txBody>
-                  <a:tcPr/>
-                </a:tc>
-                <a:tc>
-                  <a:txBody>
-                    <a:bodyPr/>
-                    <a:lstStyle/>
-                    <a:p>
-                      <a:pPr latinLnBrk="1"/>
-                      <a:endParaRPr lang="ko-KR" altLang="en-US"/>
-                    </a:p>
-                  </a:txBody>
-                  <a:tcPr/>
-                </a:tc>
-                <a:tc>
-                  <a:txBody>
-                    <a:bodyPr/>
-                    <a:lstStyle/>
-                    <a:p>
-                      <a:pPr latinLnBrk="1"/>
-                      <a:endParaRPr lang="ko-KR" altLang="en-US"/>
-                    </a:p>
-                  </a:txBody>
-                  <a:tcPr/>
-                </a:tc>
-                <a:tc>
-                  <a:txBody>
-                    <a:bodyPr/>
-                    <a:lstStyle/>
-                    <a:p>
-                      <a:pPr latinLnBrk="1"/>
-                      <a:endParaRPr lang="ko-KR" altLang="en-US"/>
-                    </a:p>
-                  </a:txBody>
-                  <a:tcPr/>
-                </a:tc>
-                <a:tc>
-                  <a:txBody>
-                    <a:bodyPr/>
-                    <a:lstStyle/>
-                    <a:p>
-                      <a:pPr latinLnBrk="1"/>
-                      <a:endParaRPr lang="ko-KR" altLang="en-US"/>
-                    </a:p>
-                  </a:txBody>
-                  <a:tcPr/>
-                </a:tc>
-                <a:tc>
-                  <a:txBody>
-                    <a:bodyPr/>
-                    <a:lstStyle/>
-                    <a:p>
-                      <a:pPr latinLnBrk="1"/>
-                      <a:endParaRPr lang="ko-KR" altLang="en-US"/>
-                    </a:p>
-                  </a:txBody>
-                  <a:tcPr/>
-                </a:tc>
-                <a:tc>
-                  <a:txBody>
-                    <a:bodyPr/>
-                    <a:lstStyle/>
-                    <a:p>
-                      <a:pPr latinLnBrk="1"/>
-                      <a:endParaRPr lang="ko-KR" altLang="en-US"/>
-                    </a:p>
-                  </a:txBody>
-                  <a:tcPr/>
+                      <a:schemeClr val="accent4">
+                        <a:lumMod val="20000"/>
+                        <a:lumOff val="80000"/>
+                      </a:schemeClr>
+                    </a:solidFill>
+                  </a:tcPr>
+                </a:tc>
+                <a:tc>
+                  <a:txBody>
+                    <a:bodyPr/>
+                    <a:lstStyle/>
+                    <a:p>
+                      <a:pPr latinLnBrk="1"/>
+                      <a:endParaRPr lang="ko-KR" altLang="en-US" dirty="0"/>
+                    </a:p>
+                  </a:txBody>
+                  <a:tcPr>
+                    <a:solidFill>
+                      <a:schemeClr val="accent4">
+                        <a:lumMod val="20000"/>
+                        <a:lumOff val="80000"/>
+                      </a:schemeClr>
+                    </a:solidFill>
+                  </a:tcPr>
+                </a:tc>
+                <a:tc>
+                  <a:txBody>
+                    <a:bodyPr/>
+                    <a:lstStyle/>
+                    <a:p>
+                      <a:pPr latinLnBrk="1"/>
+                      <a:endParaRPr lang="ko-KR" altLang="en-US" dirty="0"/>
+                    </a:p>
+                  </a:txBody>
+                  <a:tcPr>
+                    <a:solidFill>
+                      <a:schemeClr val="accent4">
+                        <a:lumMod val="20000"/>
+                        <a:lumOff val="80000"/>
+                      </a:schemeClr>
+                    </a:solidFill>
+                  </a:tcPr>
+                </a:tc>
+                <a:tc>
+                  <a:txBody>
+                    <a:bodyPr/>
+                    <a:lstStyle/>
+                    <a:p>
+                      <a:pPr latinLnBrk="1"/>
+                      <a:endParaRPr lang="ko-KR" altLang="en-US"/>
+                    </a:p>
+                  </a:txBody>
+                  <a:tcPr/>
+                </a:tc>
+                <a:tc>
+                  <a:txBody>
+                    <a:bodyPr/>
+                    <a:lstStyle/>
+                    <a:p>
+                      <a:pPr latinLnBrk="1"/>
+                      <a:endParaRPr lang="ko-KR" altLang="en-US"/>
+                    </a:p>
+                  </a:txBody>
+                  <a:tcPr/>
+                </a:tc>
+                <a:tc>
+                  <a:txBody>
+                    <a:bodyPr/>
+                    <a:lstStyle/>
+                    <a:p>
+                      <a:pPr latinLnBrk="1"/>
+                      <a:endParaRPr lang="ko-KR" altLang="en-US"/>
+                    </a:p>
+                  </a:txBody>
+                  <a:tcPr/>
+                </a:tc>
+                <a:tc>
+                  <a:txBody>
+                    <a:bodyPr/>
+                    <a:lstStyle/>
+                    <a:p>
+                      <a:pPr latinLnBrk="1"/>
+                      <a:endParaRPr lang="ko-KR" altLang="en-US"/>
+                    </a:p>
+                  </a:txBody>
+                  <a:tcPr/>
+                </a:tc>
+                <a:tc>
+                  <a:txBody>
+                    <a:bodyPr/>
+                    <a:lstStyle/>
+                    <a:p>
+                      <a:pPr latinLnBrk="1"/>
+                      <a:endParaRPr lang="ko-KR" altLang="en-US"/>
+                    </a:p>
+                  </a:txBody>
+                  <a:tcPr/>
+                </a:tc>
+                <a:tc>
+                  <a:txBody>
+                    <a:bodyPr/>
+                    <a:lstStyle/>
+                    <a:p>
+                      <a:pPr latinLnBrk="1"/>
+                      <a:endParaRPr lang="ko-KR" altLang="en-US"/>
+                    </a:p>
+                  </a:txBody>
+                  <a:tcPr/>
+                </a:tc>
+                <a:tc>
+                  <a:txBody>
+                    <a:bodyPr/>
+                    <a:lstStyle/>
+                    <a:p>
+                      <a:pPr latinLnBrk="1"/>
+                      <a:endParaRPr lang="ko-KR" altLang="en-US"/>
+                    </a:p>
+                  </a:txBody>
+                  <a:tcPr/>
+                </a:tc>
+                <a:tc>
+                  <a:txBody>
+                    <a:bodyPr/>
+                    <a:lstStyle/>
+                    <a:p>
+                      <a:pPr latinLnBrk="1"/>
+                      <a:endParaRPr lang="ko-KR" altLang="en-US"/>
+                    </a:p>
+                  </a:txBody>
+                  <a:tcPr/>
+                </a:tc>
+                <a:tc>
+                  <a:txBody>
+                    <a:bodyPr/>
+                    <a:lstStyle/>
+                    <a:p>
+                      <a:pPr latinLnBrk="1"/>
+                      <a:endParaRPr lang="ko-KR" altLang="en-US"/>
+                    </a:p>
+                  </a:txBody>
+                  <a:tcPr/>
+                </a:tc>
+                <a:tc>
+                  <a:txBody>
+                    <a:bodyPr/>
+                    <a:lstStyle/>
+                    <a:p>
+                      <a:pPr latinLnBrk="1"/>
+                      <a:endParaRPr lang="ko-KR" altLang="en-US"/>
+                    </a:p>
+                  </a:txBody>
+                  <a:tcPr/>
+                </a:tc>
+                <a:tc>
+                  <a:txBody>
+                    <a:bodyPr/>
+                    <a:lstStyle/>
+                    <a:p>
+                      <a:pPr latinLnBrk="1"/>
+                      <a:endParaRPr lang="ko-KR" altLang="en-US"/>
+                    </a:p>
+                  </a:txBody>
+                  <a:tcPr/>
+                </a:tc>
+                <a:tc>
+                  <a:txBody>
+                    <a:bodyPr/>
+                    <a:lstStyle/>
+                    <a:p>
+                      <a:pPr latinLnBrk="1"/>
+                      <a:endParaRPr lang="ko-KR" altLang="en-US"/>
+                    </a:p>
+                  </a:txBody>
+                  <a:tcPr>
+                    <a:solidFill>
+                      <a:schemeClr val="accent6">
+                        <a:lumMod val="20000"/>
+                        <a:lumOff val="80000"/>
+                      </a:schemeClr>
+                    </a:solidFill>
+                  </a:tcPr>
+                </a:tc>
+                <a:tc>
+                  <a:txBody>
+                    <a:bodyPr/>
+                    <a:lstStyle/>
+                    <a:p>
+                      <a:pPr latinLnBrk="1"/>
+                      <a:endParaRPr lang="ko-KR" altLang="en-US" dirty="0"/>
+                    </a:p>
+                  </a:txBody>
+                  <a:tcPr>
+                    <a:solidFill>
+                      <a:schemeClr val="accent6">
+                        <a:lumMod val="20000"/>
+                        <a:lumOff val="80000"/>
+                      </a:schemeClr>
+                    </a:solidFill>
+                  </a:tcPr>
                 </a:tc>
                 <a:extLst>
                   <a:ext uri="{0D108BD9-81ED-4DB2-BD59-A6C34878D82A}">
@@ -4747,18 +5073,32 @@
                       <a:endParaRPr lang="ko-KR" altLang="en-US"/>
                     </a:p>
                   </a:txBody>
-                  <a:tcPr/>
-                </a:tc>
-                <a:tc>
-                  <a:txBody>
-                    <a:bodyPr/>
-                    <a:lstStyle/>
-                    <a:p>
-                      <a:pPr latinLnBrk="1"/>
-                      <a:endParaRPr lang="ko-KR" altLang="en-US"/>
-                    </a:p>
-                  </a:txBody>
-                  <a:tcPr/>
+                  <a:tcPr>
+                    <a:solidFill>
+                      <a:schemeClr val="accent6">
+                        <a:lumMod val="20000"/>
+                        <a:lumOff val="80000"/>
+                      </a:schemeClr>
+                    </a:solidFill>
+                  </a:tcPr>
+                </a:tc>
+                <a:tc>
+                  <a:txBody>
+                    <a:bodyPr/>
+                    <a:lstStyle/>
+                    <a:p>
+                      <a:pPr latinLnBrk="1"/>
+                      <a:endParaRPr lang="ko-KR" altLang="en-US"/>
+                    </a:p>
+                  </a:txBody>
+                  <a:tcPr>
+                    <a:solidFill>
+                      <a:schemeClr val="accent6">
+                        <a:lumMod val="20000"/>
+                        <a:lumOff val="80000"/>
+                      </a:schemeClr>
+                    </a:solidFill>
+                  </a:tcPr>
                 </a:tc>
                 <a:tc>
                   <a:txBody>
@@ -5103,18 +5443,32 @@
                       <a:endParaRPr lang="ko-KR" altLang="en-US"/>
                     </a:p>
                   </a:txBody>
-                  <a:tcPr/>
-                </a:tc>
-                <a:tc>
-                  <a:txBody>
-                    <a:bodyPr/>
-                    <a:lstStyle/>
-                    <a:p>
-                      <a:pPr latinLnBrk="1"/>
-                      <a:endParaRPr lang="ko-KR" altLang="en-US"/>
-                    </a:p>
-                  </a:txBody>
-                  <a:tcPr/>
+                  <a:tcPr>
+                    <a:solidFill>
+                      <a:schemeClr val="accent6">
+                        <a:lumMod val="20000"/>
+                        <a:lumOff val="80000"/>
+                      </a:schemeClr>
+                    </a:solidFill>
+                  </a:tcPr>
+                </a:tc>
+                <a:tc>
+                  <a:txBody>
+                    <a:bodyPr/>
+                    <a:lstStyle/>
+                    <a:p>
+                      <a:pPr latinLnBrk="1"/>
+                      <a:endParaRPr lang="ko-KR" altLang="en-US" dirty="0"/>
+                    </a:p>
+                  </a:txBody>
+                  <a:tcPr>
+                    <a:solidFill>
+                      <a:schemeClr val="accent6">
+                        <a:lumMod val="20000"/>
+                        <a:lumOff val="80000"/>
+                      </a:schemeClr>
+                    </a:solidFill>
+                  </a:tcPr>
                 </a:tc>
                 <a:extLst>
                   <a:ext uri="{0D108BD9-81ED-4DB2-BD59-A6C34878D82A}">
@@ -5132,18 +5486,32 @@
                       <a:endParaRPr lang="ko-KR" altLang="en-US"/>
                     </a:p>
                   </a:txBody>
-                  <a:tcPr/>
-                </a:tc>
-                <a:tc>
-                  <a:txBody>
-                    <a:bodyPr/>
-                    <a:lstStyle/>
-                    <a:p>
-                      <a:pPr latinLnBrk="1"/>
-                      <a:endParaRPr lang="ko-KR" altLang="en-US"/>
-                    </a:p>
-                  </a:txBody>
-                  <a:tcPr/>
+                  <a:tcPr>
+                    <a:solidFill>
+                      <a:schemeClr val="accent6">
+                        <a:lumMod val="20000"/>
+                        <a:lumOff val="80000"/>
+                      </a:schemeClr>
+                    </a:solidFill>
+                  </a:tcPr>
+                </a:tc>
+                <a:tc>
+                  <a:txBody>
+                    <a:bodyPr/>
+                    <a:lstStyle/>
+                    <a:p>
+                      <a:pPr latinLnBrk="1"/>
+                      <a:endParaRPr lang="ko-KR" altLang="en-US"/>
+                    </a:p>
+                  </a:txBody>
+                  <a:tcPr>
+                    <a:solidFill>
+                      <a:schemeClr val="accent6">
+                        <a:lumMod val="20000"/>
+                        <a:lumOff val="80000"/>
+                      </a:schemeClr>
+                    </a:solidFill>
+                  </a:tcPr>
                 </a:tc>
                 <a:tc>
                   <a:txBody>
@@ -5488,18 +5856,32 @@
                       <a:endParaRPr lang="ko-KR" altLang="en-US"/>
                     </a:p>
                   </a:txBody>
-                  <a:tcPr/>
-                </a:tc>
-                <a:tc>
-                  <a:txBody>
-                    <a:bodyPr/>
-                    <a:lstStyle/>
-                    <a:p>
-                      <a:pPr latinLnBrk="1"/>
-                      <a:endParaRPr lang="ko-KR" altLang="en-US"/>
-                    </a:p>
-                  </a:txBody>
-                  <a:tcPr/>
+                  <a:tcPr>
+                    <a:solidFill>
+                      <a:schemeClr val="accent6">
+                        <a:lumMod val="20000"/>
+                        <a:lumOff val="80000"/>
+                      </a:schemeClr>
+                    </a:solidFill>
+                  </a:tcPr>
+                </a:tc>
+                <a:tc>
+                  <a:txBody>
+                    <a:bodyPr/>
+                    <a:lstStyle/>
+                    <a:p>
+                      <a:pPr latinLnBrk="1"/>
+                      <a:endParaRPr lang="ko-KR" altLang="en-US" dirty="0"/>
+                    </a:p>
+                  </a:txBody>
+                  <a:tcPr>
+                    <a:solidFill>
+                      <a:schemeClr val="accent6">
+                        <a:lumMod val="20000"/>
+                        <a:lumOff val="80000"/>
+                      </a:schemeClr>
+                    </a:solidFill>
+                  </a:tcPr>
                 </a:tc>
                 <a:extLst>
                   <a:ext uri="{0D108BD9-81ED-4DB2-BD59-A6C34878D82A}">
@@ -5517,18 +5899,32 @@
                       <a:endParaRPr lang="ko-KR" altLang="en-US"/>
                     </a:p>
                   </a:txBody>
-                  <a:tcPr/>
-                </a:tc>
-                <a:tc>
-                  <a:txBody>
-                    <a:bodyPr/>
-                    <a:lstStyle/>
-                    <a:p>
-                      <a:pPr latinLnBrk="1"/>
-                      <a:endParaRPr lang="ko-KR" altLang="en-US"/>
-                    </a:p>
-                  </a:txBody>
-                  <a:tcPr/>
+                  <a:tcPr>
+                    <a:solidFill>
+                      <a:schemeClr val="accent6">
+                        <a:lumMod val="20000"/>
+                        <a:lumOff val="80000"/>
+                      </a:schemeClr>
+                    </a:solidFill>
+                  </a:tcPr>
+                </a:tc>
+                <a:tc>
+                  <a:txBody>
+                    <a:bodyPr/>
+                    <a:lstStyle/>
+                    <a:p>
+                      <a:pPr latinLnBrk="1"/>
+                      <a:endParaRPr lang="ko-KR" altLang="en-US"/>
+                    </a:p>
+                  </a:txBody>
+                  <a:tcPr>
+                    <a:solidFill>
+                      <a:schemeClr val="accent6">
+                        <a:lumMod val="20000"/>
+                        <a:lumOff val="80000"/>
+                      </a:schemeClr>
+                    </a:solidFill>
+                  </a:tcPr>
                 </a:tc>
                 <a:tc>
                   <a:txBody>
@@ -5873,18 +6269,32 @@
                       <a:endParaRPr lang="ko-KR" altLang="en-US"/>
                     </a:p>
                   </a:txBody>
-                  <a:tcPr/>
-                </a:tc>
-                <a:tc>
-                  <a:txBody>
-                    <a:bodyPr/>
-                    <a:lstStyle/>
-                    <a:p>
-                      <a:pPr latinLnBrk="1"/>
-                      <a:endParaRPr lang="ko-KR" altLang="en-US"/>
-                    </a:p>
-                  </a:txBody>
-                  <a:tcPr/>
+                  <a:tcPr>
+                    <a:solidFill>
+                      <a:schemeClr val="accent6">
+                        <a:lumMod val="20000"/>
+                        <a:lumOff val="80000"/>
+                      </a:schemeClr>
+                    </a:solidFill>
+                  </a:tcPr>
+                </a:tc>
+                <a:tc>
+                  <a:txBody>
+                    <a:bodyPr/>
+                    <a:lstStyle/>
+                    <a:p>
+                      <a:pPr latinLnBrk="1"/>
+                      <a:endParaRPr lang="ko-KR" altLang="en-US"/>
+                    </a:p>
+                  </a:txBody>
+                  <a:tcPr>
+                    <a:solidFill>
+                      <a:schemeClr val="accent6">
+                        <a:lumMod val="20000"/>
+                        <a:lumOff val="80000"/>
+                      </a:schemeClr>
+                    </a:solidFill>
+                  </a:tcPr>
                 </a:tc>
                 <a:extLst>
                   <a:ext uri="{0D108BD9-81ED-4DB2-BD59-A6C34878D82A}">
@@ -5902,18 +6312,32 @@
                       <a:endParaRPr lang="ko-KR" altLang="en-US"/>
                     </a:p>
                   </a:txBody>
-                  <a:tcPr/>
-                </a:tc>
-                <a:tc>
-                  <a:txBody>
-                    <a:bodyPr/>
-                    <a:lstStyle/>
-                    <a:p>
-                      <a:pPr latinLnBrk="1"/>
-                      <a:endParaRPr lang="ko-KR" altLang="en-US"/>
-                    </a:p>
-                  </a:txBody>
-                  <a:tcPr/>
+                  <a:tcPr>
+                    <a:solidFill>
+                      <a:schemeClr val="accent6">
+                        <a:lumMod val="20000"/>
+                        <a:lumOff val="80000"/>
+                      </a:schemeClr>
+                    </a:solidFill>
+                  </a:tcPr>
+                </a:tc>
+                <a:tc>
+                  <a:txBody>
+                    <a:bodyPr/>
+                    <a:lstStyle/>
+                    <a:p>
+                      <a:pPr latinLnBrk="1"/>
+                      <a:endParaRPr lang="ko-KR" altLang="en-US"/>
+                    </a:p>
+                  </a:txBody>
+                  <a:tcPr>
+                    <a:solidFill>
+                      <a:schemeClr val="accent6">
+                        <a:lumMod val="20000"/>
+                        <a:lumOff val="80000"/>
+                      </a:schemeClr>
+                    </a:solidFill>
+                  </a:tcPr>
                 </a:tc>
                 <a:tc>
                   <a:txBody>
@@ -6258,18 +6682,32 @@
                       <a:endParaRPr lang="ko-KR" altLang="en-US"/>
                     </a:p>
                   </a:txBody>
-                  <a:tcPr/>
-                </a:tc>
-                <a:tc>
-                  <a:txBody>
-                    <a:bodyPr/>
-                    <a:lstStyle/>
-                    <a:p>
-                      <a:pPr latinLnBrk="1"/>
-                      <a:endParaRPr lang="ko-KR" altLang="en-US"/>
-                    </a:p>
-                  </a:txBody>
-                  <a:tcPr/>
+                  <a:tcPr>
+                    <a:solidFill>
+                      <a:schemeClr val="accent6">
+                        <a:lumMod val="20000"/>
+                        <a:lumOff val="80000"/>
+                      </a:schemeClr>
+                    </a:solidFill>
+                  </a:tcPr>
+                </a:tc>
+                <a:tc>
+                  <a:txBody>
+                    <a:bodyPr/>
+                    <a:lstStyle/>
+                    <a:p>
+                      <a:pPr latinLnBrk="1"/>
+                      <a:endParaRPr lang="ko-KR" altLang="en-US"/>
+                    </a:p>
+                  </a:txBody>
+                  <a:tcPr>
+                    <a:solidFill>
+                      <a:schemeClr val="accent6">
+                        <a:lumMod val="20000"/>
+                        <a:lumOff val="80000"/>
+                      </a:schemeClr>
+                    </a:solidFill>
+                  </a:tcPr>
                 </a:tc>
                 <a:extLst>
                   <a:ext uri="{0D108BD9-81ED-4DB2-BD59-A6C34878D82A}">
@@ -6298,7 +6736,10 @@
                       <a:tailEnd type="none" w="med" len="med"/>
                     </a:lnB>
                     <a:solidFill>
-                      <a:schemeClr val="bg1"/>
+                      <a:schemeClr val="accent6">
+                        <a:lumMod val="20000"/>
+                        <a:lumOff val="80000"/>
+                      </a:schemeClr>
                     </a:solidFill>
                   </a:tcPr>
                 </a:tc>
@@ -6322,7 +6763,10 @@
                       <a:tailEnd type="none" w="med" len="med"/>
                     </a:lnB>
                     <a:solidFill>
-                      <a:schemeClr val="bg1"/>
+                      <a:schemeClr val="accent6">
+                        <a:lumMod val="20000"/>
+                        <a:lumOff val="80000"/>
+                      </a:schemeClr>
                     </a:solidFill>
                   </a:tcPr>
                 </a:tc>
@@ -7036,7 +7480,10 @@
                       <a:tailEnd type="none" w="med" len="med"/>
                     </a:lnB>
                     <a:solidFill>
-                      <a:schemeClr val="bg1"/>
+                      <a:schemeClr val="accent6">
+                        <a:lumMod val="20000"/>
+                        <a:lumOff val="80000"/>
+                      </a:schemeClr>
                     </a:solidFill>
                   </a:tcPr>
                 </a:tc>
@@ -7060,7 +7507,10 @@
                       <a:tailEnd type="none" w="med" len="med"/>
                     </a:lnB>
                     <a:solidFill>
-                      <a:schemeClr val="bg1"/>
+                      <a:schemeClr val="accent6">
+                        <a:lumMod val="20000"/>
+                        <a:lumOff val="80000"/>
+                      </a:schemeClr>
                     </a:solidFill>
                   </a:tcPr>
                 </a:tc>
@@ -7090,6 +7540,12 @@
                       <a:headEnd type="none" w="med" len="med"/>
                       <a:tailEnd type="none" w="med" len="med"/>
                     </a:lnT>
+                    <a:solidFill>
+                      <a:schemeClr val="accent6">
+                        <a:lumMod val="20000"/>
+                        <a:lumOff val="80000"/>
+                      </a:schemeClr>
+                    </a:solidFill>
                   </a:tcPr>
                 </a:tc>
                 <a:tc>
@@ -7111,6 +7567,12 @@
                       <a:headEnd type="none" w="med" len="med"/>
                       <a:tailEnd type="none" w="med" len="med"/>
                     </a:lnT>
+                    <a:solidFill>
+                      <a:schemeClr val="accent6">
+                        <a:lumMod val="20000"/>
+                        <a:lumOff val="80000"/>
+                      </a:schemeClr>
+                    </a:solidFill>
                   </a:tcPr>
                 </a:tc>
                 <a:tc>
@@ -7744,6 +8206,12 @@
                       <a:headEnd type="none" w="med" len="med"/>
                       <a:tailEnd type="none" w="med" len="med"/>
                     </a:lnT>
+                    <a:solidFill>
+                      <a:schemeClr val="accent6">
+                        <a:lumMod val="20000"/>
+                        <a:lumOff val="80000"/>
+                      </a:schemeClr>
+                    </a:solidFill>
                   </a:tcPr>
                 </a:tc>
                 <a:tc>
@@ -7765,6 +8233,12 @@
                       <a:headEnd type="none" w="med" len="med"/>
                       <a:tailEnd type="none" w="med" len="med"/>
                     </a:lnT>
+                    <a:solidFill>
+                      <a:schemeClr val="accent6">
+                        <a:lumMod val="20000"/>
+                        <a:lumOff val="80000"/>
+                      </a:schemeClr>
+                    </a:solidFill>
                   </a:tcPr>
                 </a:tc>
                 <a:extLst>
@@ -7783,18 +8257,32 @@
                       <a:endParaRPr lang="ko-KR" altLang="en-US"/>
                     </a:p>
                   </a:txBody>
-                  <a:tcPr/>
-                </a:tc>
-                <a:tc>
-                  <a:txBody>
-                    <a:bodyPr/>
-                    <a:lstStyle/>
-                    <a:p>
-                      <a:pPr latinLnBrk="1"/>
-                      <a:endParaRPr lang="ko-KR" altLang="en-US"/>
-                    </a:p>
-                  </a:txBody>
-                  <a:tcPr/>
+                  <a:tcPr>
+                    <a:solidFill>
+                      <a:schemeClr val="accent6">
+                        <a:lumMod val="20000"/>
+                        <a:lumOff val="80000"/>
+                      </a:schemeClr>
+                    </a:solidFill>
+                  </a:tcPr>
+                </a:tc>
+                <a:tc>
+                  <a:txBody>
+                    <a:bodyPr/>
+                    <a:lstStyle/>
+                    <a:p>
+                      <a:pPr latinLnBrk="1"/>
+                      <a:endParaRPr lang="ko-KR" altLang="en-US"/>
+                    </a:p>
+                  </a:txBody>
+                  <a:tcPr>
+                    <a:solidFill>
+                      <a:schemeClr val="accent6">
+                        <a:lumMod val="20000"/>
+                        <a:lumOff val="80000"/>
+                      </a:schemeClr>
+                    </a:solidFill>
+                  </a:tcPr>
                 </a:tc>
                 <a:tc>
                   <a:txBody>
@@ -8139,7 +8627,14 @@
                       <a:endParaRPr lang="ko-KR" altLang="en-US"/>
                     </a:p>
                   </a:txBody>
-                  <a:tcPr/>
+                  <a:tcPr>
+                    <a:solidFill>
+                      <a:schemeClr val="accent6">
+                        <a:lumMod val="20000"/>
+                        <a:lumOff val="80000"/>
+                      </a:schemeClr>
+                    </a:solidFill>
+                  </a:tcPr>
                 </a:tc>
                 <a:tc>
                   <a:txBody>
@@ -8150,7 +8645,14 @@
                       <a:endParaRPr lang="ko-KR" altLang="en-US" dirty="0"/>
                     </a:p>
                   </a:txBody>
-                  <a:tcPr/>
+                  <a:tcPr>
+                    <a:solidFill>
+                      <a:schemeClr val="accent6">
+                        <a:lumMod val="20000"/>
+                        <a:lumOff val="80000"/>
+                      </a:schemeClr>
+                    </a:solidFill>
+                  </a:tcPr>
                 </a:tc>
                 <a:extLst>
                   <a:ext uri="{0D108BD9-81ED-4DB2-BD59-A6C34878D82A}">
@@ -8168,18 +8670,32 @@
                       <a:endParaRPr lang="ko-KR" altLang="en-US"/>
                     </a:p>
                   </a:txBody>
-                  <a:tcPr/>
-                </a:tc>
-                <a:tc>
-                  <a:txBody>
-                    <a:bodyPr/>
-                    <a:lstStyle/>
-                    <a:p>
-                      <a:pPr latinLnBrk="1"/>
-                      <a:endParaRPr lang="ko-KR" altLang="en-US"/>
-                    </a:p>
-                  </a:txBody>
-                  <a:tcPr/>
+                  <a:tcPr>
+                    <a:solidFill>
+                      <a:schemeClr val="accent6">
+                        <a:lumMod val="20000"/>
+                        <a:lumOff val="80000"/>
+                      </a:schemeClr>
+                    </a:solidFill>
+                  </a:tcPr>
+                </a:tc>
+                <a:tc>
+                  <a:txBody>
+                    <a:bodyPr/>
+                    <a:lstStyle/>
+                    <a:p>
+                      <a:pPr latinLnBrk="1"/>
+                      <a:endParaRPr lang="ko-KR" altLang="en-US"/>
+                    </a:p>
+                  </a:txBody>
+                  <a:tcPr>
+                    <a:solidFill>
+                      <a:schemeClr val="accent6">
+                        <a:lumMod val="20000"/>
+                        <a:lumOff val="80000"/>
+                      </a:schemeClr>
+                    </a:solidFill>
+                  </a:tcPr>
                 </a:tc>
                 <a:tc>
                   <a:txBody>
@@ -8524,18 +9040,32 @@
                       <a:endParaRPr lang="ko-KR" altLang="en-US"/>
                     </a:p>
                   </a:txBody>
-                  <a:tcPr/>
-                </a:tc>
-                <a:tc>
-                  <a:txBody>
-                    <a:bodyPr/>
-                    <a:lstStyle/>
-                    <a:p>
-                      <a:pPr latinLnBrk="1"/>
-                      <a:endParaRPr lang="ko-KR" altLang="en-US"/>
-                    </a:p>
-                  </a:txBody>
-                  <a:tcPr/>
+                  <a:tcPr>
+                    <a:solidFill>
+                      <a:schemeClr val="accent6">
+                        <a:lumMod val="20000"/>
+                        <a:lumOff val="80000"/>
+                      </a:schemeClr>
+                    </a:solidFill>
+                  </a:tcPr>
+                </a:tc>
+                <a:tc>
+                  <a:txBody>
+                    <a:bodyPr/>
+                    <a:lstStyle/>
+                    <a:p>
+                      <a:pPr latinLnBrk="1"/>
+                      <a:endParaRPr lang="ko-KR" altLang="en-US" dirty="0"/>
+                    </a:p>
+                  </a:txBody>
+                  <a:tcPr>
+                    <a:solidFill>
+                      <a:schemeClr val="accent6">
+                        <a:lumMod val="20000"/>
+                        <a:lumOff val="80000"/>
+                      </a:schemeClr>
+                    </a:solidFill>
+                  </a:tcPr>
                 </a:tc>
                 <a:extLst>
                   <a:ext uri="{0D108BD9-81ED-4DB2-BD59-A6C34878D82A}">
@@ -8553,18 +9083,32 @@
                       <a:endParaRPr lang="ko-KR" altLang="en-US"/>
                     </a:p>
                   </a:txBody>
-                  <a:tcPr/>
-                </a:tc>
-                <a:tc>
-                  <a:txBody>
-                    <a:bodyPr/>
-                    <a:lstStyle/>
-                    <a:p>
-                      <a:pPr latinLnBrk="1"/>
-                      <a:endParaRPr lang="ko-KR" altLang="en-US"/>
-                    </a:p>
-                  </a:txBody>
-                  <a:tcPr/>
+                  <a:tcPr>
+                    <a:solidFill>
+                      <a:schemeClr val="accent6">
+                        <a:lumMod val="20000"/>
+                        <a:lumOff val="80000"/>
+                      </a:schemeClr>
+                    </a:solidFill>
+                  </a:tcPr>
+                </a:tc>
+                <a:tc>
+                  <a:txBody>
+                    <a:bodyPr/>
+                    <a:lstStyle/>
+                    <a:p>
+                      <a:pPr latinLnBrk="1"/>
+                      <a:endParaRPr lang="ko-KR" altLang="en-US" dirty="0"/>
+                    </a:p>
+                  </a:txBody>
+                  <a:tcPr>
+                    <a:solidFill>
+                      <a:schemeClr val="accent6">
+                        <a:lumMod val="20000"/>
+                        <a:lumOff val="80000"/>
+                      </a:schemeClr>
+                    </a:solidFill>
+                  </a:tcPr>
                 </a:tc>
                 <a:tc>
                   <a:txBody>
@@ -8909,18 +9453,32 @@
                       <a:endParaRPr lang="ko-KR" altLang="en-US"/>
                     </a:p>
                   </a:txBody>
-                  <a:tcPr/>
-                </a:tc>
-                <a:tc>
-                  <a:txBody>
-                    <a:bodyPr/>
-                    <a:lstStyle/>
-                    <a:p>
-                      <a:pPr latinLnBrk="1"/>
-                      <a:endParaRPr lang="ko-KR" altLang="en-US"/>
-                    </a:p>
-                  </a:txBody>
-                  <a:tcPr/>
+                  <a:tcPr>
+                    <a:solidFill>
+                      <a:schemeClr val="accent6">
+                        <a:lumMod val="20000"/>
+                        <a:lumOff val="80000"/>
+                      </a:schemeClr>
+                    </a:solidFill>
+                  </a:tcPr>
+                </a:tc>
+                <a:tc>
+                  <a:txBody>
+                    <a:bodyPr/>
+                    <a:lstStyle/>
+                    <a:p>
+                      <a:pPr latinLnBrk="1"/>
+                      <a:endParaRPr lang="ko-KR" altLang="en-US" dirty="0"/>
+                    </a:p>
+                  </a:txBody>
+                  <a:tcPr>
+                    <a:solidFill>
+                      <a:schemeClr val="accent6">
+                        <a:lumMod val="20000"/>
+                        <a:lumOff val="80000"/>
+                      </a:schemeClr>
+                    </a:solidFill>
+                  </a:tcPr>
                 </a:tc>
                 <a:extLst>
                   <a:ext uri="{0D108BD9-81ED-4DB2-BD59-A6C34878D82A}">
@@ -8935,65 +9493,107 @@
                     <a:lstStyle/>
                     <a:p>
                       <a:pPr latinLnBrk="1"/>
-                      <a:endParaRPr lang="ko-KR" altLang="en-US"/>
-                    </a:p>
-                  </a:txBody>
-                  <a:tcPr/>
-                </a:tc>
-                <a:tc>
-                  <a:txBody>
-                    <a:bodyPr/>
-                    <a:lstStyle/>
-                    <a:p>
-                      <a:pPr latinLnBrk="1"/>
-                      <a:endParaRPr lang="ko-KR" altLang="en-US"/>
-                    </a:p>
-                  </a:txBody>
-                  <a:tcPr/>
-                </a:tc>
-                <a:tc>
-                  <a:txBody>
-                    <a:bodyPr/>
-                    <a:lstStyle/>
-                    <a:p>
-                      <a:pPr latinLnBrk="1"/>
-                      <a:endParaRPr lang="ko-KR" altLang="en-US"/>
-                    </a:p>
-                  </a:txBody>
-                  <a:tcPr/>
-                </a:tc>
-                <a:tc>
-                  <a:txBody>
-                    <a:bodyPr/>
-                    <a:lstStyle/>
-                    <a:p>
-                      <a:pPr latinLnBrk="1"/>
-                      <a:endParaRPr lang="ko-KR" altLang="en-US"/>
-                    </a:p>
-                  </a:txBody>
-                  <a:tcPr/>
-                </a:tc>
-                <a:tc>
-                  <a:txBody>
-                    <a:bodyPr/>
-                    <a:lstStyle/>
-                    <a:p>
-                      <a:pPr latinLnBrk="1"/>
-                      <a:endParaRPr lang="ko-KR" altLang="en-US"/>
-                    </a:p>
-                  </a:txBody>
-                  <a:tcPr/>
-                </a:tc>
-                <a:tc>
-                  <a:txBody>
-                    <a:bodyPr/>
-                    <a:lstStyle/>
-                    <a:p>
-                      <a:pPr latinLnBrk="1"/>
-                      <a:endParaRPr lang="ko-KR" altLang="en-US"/>
-                    </a:p>
-                  </a:txBody>
-                  <a:tcPr/>
+                      <a:endParaRPr lang="ko-KR" altLang="en-US" dirty="0"/>
+                    </a:p>
+                  </a:txBody>
+                  <a:tcPr>
+                    <a:solidFill>
+                      <a:schemeClr val="accent2">
+                        <a:lumMod val="20000"/>
+                        <a:lumOff val="80000"/>
+                      </a:schemeClr>
+                    </a:solidFill>
+                  </a:tcPr>
+                </a:tc>
+                <a:tc>
+                  <a:txBody>
+                    <a:bodyPr/>
+                    <a:lstStyle/>
+                    <a:p>
+                      <a:pPr latinLnBrk="1"/>
+                      <a:endParaRPr lang="ko-KR" altLang="en-US" dirty="0"/>
+                    </a:p>
+                  </a:txBody>
+                  <a:tcPr>
+                    <a:solidFill>
+                      <a:schemeClr val="accent2">
+                        <a:lumMod val="20000"/>
+                        <a:lumOff val="80000"/>
+                      </a:schemeClr>
+                    </a:solidFill>
+                  </a:tcPr>
+                </a:tc>
+                <a:tc>
+                  <a:txBody>
+                    <a:bodyPr/>
+                    <a:lstStyle/>
+                    <a:p>
+                      <a:pPr latinLnBrk="1"/>
+                      <a:endParaRPr lang="ko-KR" altLang="en-US"/>
+                    </a:p>
+                  </a:txBody>
+                  <a:tcPr>
+                    <a:solidFill>
+                      <a:schemeClr val="accent2">
+                        <a:lumMod val="20000"/>
+                        <a:lumOff val="80000"/>
+                      </a:schemeClr>
+                    </a:solidFill>
+                  </a:tcPr>
+                </a:tc>
+                <a:tc>
+                  <a:txBody>
+                    <a:bodyPr/>
+                    <a:lstStyle/>
+                    <a:p>
+                      <a:pPr latinLnBrk="1"/>
+                      <a:endParaRPr lang="ko-KR" altLang="en-US"/>
+                    </a:p>
+                  </a:txBody>
+                  <a:tcPr>
+                    <a:solidFill>
+                      <a:schemeClr val="accent2">
+                        <a:lumMod val="20000"/>
+                        <a:lumOff val="80000"/>
+                      </a:schemeClr>
+                    </a:solidFill>
+                  </a:tcPr>
+                </a:tc>
+                <a:tc>
+                  <a:txBody>
+                    <a:bodyPr/>
+                    <a:lstStyle/>
+                    <a:p>
+                      <a:pPr latinLnBrk="1"/>
+                      <a:endParaRPr lang="ko-KR" altLang="en-US"/>
+                    </a:p>
+                  </a:txBody>
+                  <a:tcPr>
+                    <a:solidFill>
+                      <a:schemeClr val="accent2">
+                        <a:lumMod val="20000"/>
+                        <a:lumOff val="80000"/>
+                      </a:schemeClr>
+                    </a:solidFill>
+                  </a:tcPr>
+                </a:tc>
+                <a:tc>
+                  <a:txBody>
+                    <a:bodyPr/>
+                    <a:lstStyle/>
+                    <a:p>
+                      <a:pPr latinLnBrk="1"/>
+                      <a:endParaRPr lang="ko-KR" altLang="en-US"/>
+                    </a:p>
+                  </a:txBody>
+                  <a:tcPr>
+                    <a:solidFill>
+                      <a:schemeClr val="accent2">
+                        <a:lumMod val="20000"/>
+                        <a:lumOff val="80000"/>
+                      </a:schemeClr>
+                    </a:solidFill>
+                  </a:tcPr>
                 </a:tc>
                 <a:tc>
                   <a:txBody>
@@ -9247,65 +9847,107 @@
                     <a:lstStyle/>
                     <a:p>
                       <a:pPr latinLnBrk="1"/>
-                      <a:endParaRPr lang="ko-KR" altLang="en-US"/>
-                    </a:p>
-                  </a:txBody>
-                  <a:tcPr/>
-                </a:tc>
-                <a:tc>
-                  <a:txBody>
-                    <a:bodyPr/>
-                    <a:lstStyle/>
-                    <a:p>
-                      <a:pPr latinLnBrk="1"/>
-                      <a:endParaRPr lang="ko-KR" altLang="en-US"/>
-                    </a:p>
-                  </a:txBody>
-                  <a:tcPr/>
-                </a:tc>
-                <a:tc>
-                  <a:txBody>
-                    <a:bodyPr/>
-                    <a:lstStyle/>
-                    <a:p>
-                      <a:pPr latinLnBrk="1"/>
-                      <a:endParaRPr lang="ko-KR" altLang="en-US"/>
-                    </a:p>
-                  </a:txBody>
-                  <a:tcPr/>
-                </a:tc>
-                <a:tc>
-                  <a:txBody>
-                    <a:bodyPr/>
-                    <a:lstStyle/>
-                    <a:p>
-                      <a:pPr latinLnBrk="1"/>
-                      <a:endParaRPr lang="ko-KR" altLang="en-US"/>
-                    </a:p>
-                  </a:txBody>
-                  <a:tcPr/>
-                </a:tc>
-                <a:tc>
-                  <a:txBody>
-                    <a:bodyPr/>
-                    <a:lstStyle/>
-                    <a:p>
-                      <a:pPr latinLnBrk="1"/>
-                      <a:endParaRPr lang="ko-KR" altLang="en-US"/>
-                    </a:p>
-                  </a:txBody>
-                  <a:tcPr/>
-                </a:tc>
-                <a:tc>
-                  <a:txBody>
-                    <a:bodyPr/>
-                    <a:lstStyle/>
-                    <a:p>
-                      <a:pPr latinLnBrk="1"/>
-                      <a:endParaRPr lang="ko-KR" altLang="en-US"/>
-                    </a:p>
-                  </a:txBody>
-                  <a:tcPr/>
+                      <a:endParaRPr lang="ko-KR" altLang="en-US" dirty="0"/>
+                    </a:p>
+                  </a:txBody>
+                  <a:tcPr>
+                    <a:solidFill>
+                      <a:schemeClr val="accent2">
+                        <a:lumMod val="20000"/>
+                        <a:lumOff val="80000"/>
+                      </a:schemeClr>
+                    </a:solidFill>
+                  </a:tcPr>
+                </a:tc>
+                <a:tc>
+                  <a:txBody>
+                    <a:bodyPr/>
+                    <a:lstStyle/>
+                    <a:p>
+                      <a:pPr latinLnBrk="1"/>
+                      <a:endParaRPr lang="ko-KR" altLang="en-US"/>
+                    </a:p>
+                  </a:txBody>
+                  <a:tcPr>
+                    <a:solidFill>
+                      <a:schemeClr val="accent2">
+                        <a:lumMod val="20000"/>
+                        <a:lumOff val="80000"/>
+                      </a:schemeClr>
+                    </a:solidFill>
+                  </a:tcPr>
+                </a:tc>
+                <a:tc>
+                  <a:txBody>
+                    <a:bodyPr/>
+                    <a:lstStyle/>
+                    <a:p>
+                      <a:pPr latinLnBrk="1"/>
+                      <a:endParaRPr lang="ko-KR" altLang="en-US"/>
+                    </a:p>
+                  </a:txBody>
+                  <a:tcPr>
+                    <a:solidFill>
+                      <a:schemeClr val="accent2">
+                        <a:lumMod val="20000"/>
+                        <a:lumOff val="80000"/>
+                      </a:schemeClr>
+                    </a:solidFill>
+                  </a:tcPr>
+                </a:tc>
+                <a:tc>
+                  <a:txBody>
+                    <a:bodyPr/>
+                    <a:lstStyle/>
+                    <a:p>
+                      <a:pPr latinLnBrk="1"/>
+                      <a:endParaRPr lang="ko-KR" altLang="en-US"/>
+                    </a:p>
+                  </a:txBody>
+                  <a:tcPr>
+                    <a:solidFill>
+                      <a:schemeClr val="accent2">
+                        <a:lumMod val="20000"/>
+                        <a:lumOff val="80000"/>
+                      </a:schemeClr>
+                    </a:solidFill>
+                  </a:tcPr>
+                </a:tc>
+                <a:tc>
+                  <a:txBody>
+                    <a:bodyPr/>
+                    <a:lstStyle/>
+                    <a:p>
+                      <a:pPr latinLnBrk="1"/>
+                      <a:endParaRPr lang="ko-KR" altLang="en-US"/>
+                    </a:p>
+                  </a:txBody>
+                  <a:tcPr>
+                    <a:solidFill>
+                      <a:schemeClr val="accent2">
+                        <a:lumMod val="20000"/>
+                        <a:lumOff val="80000"/>
+                      </a:schemeClr>
+                    </a:solidFill>
+                  </a:tcPr>
+                </a:tc>
+                <a:tc>
+                  <a:txBody>
+                    <a:bodyPr/>
+                    <a:lstStyle/>
+                    <a:p>
+                      <a:pPr latinLnBrk="1"/>
+                      <a:endParaRPr lang="ko-KR" altLang="en-US" dirty="0"/>
+                    </a:p>
+                  </a:txBody>
+                  <a:tcPr>
+                    <a:solidFill>
+                      <a:schemeClr val="accent2">
+                        <a:lumMod val="20000"/>
+                        <a:lumOff val="80000"/>
+                      </a:schemeClr>
+                    </a:solidFill>
+                  </a:tcPr>
                 </a:tc>
                 <a:extLst>
                   <a:ext uri="{0D108BD9-81ED-4DB2-BD59-A6C34878D82A}">
@@ -9320,73 +9962,115 @@
                     <a:lstStyle/>
                     <a:p>
                       <a:pPr latinLnBrk="1"/>
-                      <a:endParaRPr lang="ko-KR" altLang="en-US"/>
-                    </a:p>
-                  </a:txBody>
-                  <a:tcPr/>
-                </a:tc>
-                <a:tc>
-                  <a:txBody>
-                    <a:bodyPr/>
-                    <a:lstStyle/>
-                    <a:p>
-                      <a:pPr latinLnBrk="1"/>
-                      <a:endParaRPr lang="ko-KR" altLang="en-US"/>
-                    </a:p>
-                  </a:txBody>
-                  <a:tcPr/>
-                </a:tc>
-                <a:tc>
-                  <a:txBody>
-                    <a:bodyPr/>
-                    <a:lstStyle/>
-                    <a:p>
-                      <a:pPr latinLnBrk="1"/>
-                      <a:endParaRPr lang="ko-KR" altLang="en-US"/>
-                    </a:p>
-                  </a:txBody>
-                  <a:tcPr/>
-                </a:tc>
-                <a:tc>
-                  <a:txBody>
-                    <a:bodyPr/>
-                    <a:lstStyle/>
-                    <a:p>
-                      <a:pPr latinLnBrk="1"/>
-                      <a:endParaRPr lang="ko-KR" altLang="en-US"/>
-                    </a:p>
-                  </a:txBody>
-                  <a:tcPr/>
-                </a:tc>
-                <a:tc>
-                  <a:txBody>
-                    <a:bodyPr/>
-                    <a:lstStyle/>
-                    <a:p>
-                      <a:pPr latinLnBrk="1"/>
-                      <a:endParaRPr lang="ko-KR" altLang="en-US"/>
-                    </a:p>
-                  </a:txBody>
-                  <a:tcPr/>
-                </a:tc>
-                <a:tc>
-                  <a:txBody>
-                    <a:bodyPr/>
-                    <a:lstStyle/>
-                    <a:p>
-                      <a:pPr latinLnBrk="1"/>
-                      <a:endParaRPr lang="ko-KR" altLang="en-US"/>
-                    </a:p>
-                  </a:txBody>
-                  <a:tcPr/>
-                </a:tc>
-                <a:tc>
-                  <a:txBody>
-                    <a:bodyPr/>
-                    <a:lstStyle/>
-                    <a:p>
-                      <a:pPr latinLnBrk="1"/>
-                      <a:endParaRPr lang="ko-KR" altLang="en-US"/>
+                      <a:endParaRPr lang="ko-KR" altLang="en-US" dirty="0"/>
+                    </a:p>
+                  </a:txBody>
+                  <a:tcPr>
+                    <a:solidFill>
+                      <a:schemeClr val="accent2">
+                        <a:lumMod val="20000"/>
+                        <a:lumOff val="80000"/>
+                      </a:schemeClr>
+                    </a:solidFill>
+                  </a:tcPr>
+                </a:tc>
+                <a:tc>
+                  <a:txBody>
+                    <a:bodyPr/>
+                    <a:lstStyle/>
+                    <a:p>
+                      <a:pPr latinLnBrk="1"/>
+                      <a:endParaRPr lang="ko-KR" altLang="en-US"/>
+                    </a:p>
+                  </a:txBody>
+                  <a:tcPr>
+                    <a:solidFill>
+                      <a:schemeClr val="accent2">
+                        <a:lumMod val="20000"/>
+                        <a:lumOff val="80000"/>
+                      </a:schemeClr>
+                    </a:solidFill>
+                  </a:tcPr>
+                </a:tc>
+                <a:tc>
+                  <a:txBody>
+                    <a:bodyPr/>
+                    <a:lstStyle/>
+                    <a:p>
+                      <a:pPr latinLnBrk="1"/>
+                      <a:endParaRPr lang="ko-KR" altLang="en-US" dirty="0"/>
+                    </a:p>
+                  </a:txBody>
+                  <a:tcPr>
+                    <a:solidFill>
+                      <a:schemeClr val="accent2">
+                        <a:lumMod val="20000"/>
+                        <a:lumOff val="80000"/>
+                      </a:schemeClr>
+                    </a:solidFill>
+                  </a:tcPr>
+                </a:tc>
+                <a:tc>
+                  <a:txBody>
+                    <a:bodyPr/>
+                    <a:lstStyle/>
+                    <a:p>
+                      <a:pPr latinLnBrk="1"/>
+                      <a:endParaRPr lang="ko-KR" altLang="en-US" dirty="0"/>
+                    </a:p>
+                  </a:txBody>
+                  <a:tcPr>
+                    <a:solidFill>
+                      <a:schemeClr val="accent2">
+                        <a:lumMod val="20000"/>
+                        <a:lumOff val="80000"/>
+                      </a:schemeClr>
+                    </a:solidFill>
+                  </a:tcPr>
+                </a:tc>
+                <a:tc>
+                  <a:txBody>
+                    <a:bodyPr/>
+                    <a:lstStyle/>
+                    <a:p>
+                      <a:pPr latinLnBrk="1"/>
+                      <a:endParaRPr lang="ko-KR" altLang="en-US"/>
+                    </a:p>
+                  </a:txBody>
+                  <a:tcPr>
+                    <a:solidFill>
+                      <a:schemeClr val="accent2">
+                        <a:lumMod val="20000"/>
+                        <a:lumOff val="80000"/>
+                      </a:schemeClr>
+                    </a:solidFill>
+                  </a:tcPr>
+                </a:tc>
+                <a:tc>
+                  <a:txBody>
+                    <a:bodyPr/>
+                    <a:lstStyle/>
+                    <a:p>
+                      <a:pPr latinLnBrk="1"/>
+                      <a:endParaRPr lang="ko-KR" altLang="en-US"/>
+                    </a:p>
+                  </a:txBody>
+                  <a:tcPr>
+                    <a:solidFill>
+                      <a:schemeClr val="accent2">
+                        <a:lumMod val="20000"/>
+                        <a:lumOff val="80000"/>
+                      </a:schemeClr>
+                    </a:solidFill>
+                  </a:tcPr>
+                </a:tc>
+                <a:tc>
+                  <a:txBody>
+                    <a:bodyPr/>
+                    <a:lstStyle/>
+                    <a:p>
+                      <a:pPr latinLnBrk="1"/>
+                      <a:endParaRPr lang="ko-KR" altLang="en-US" dirty="0"/>
                     </a:p>
                   </a:txBody>
                   <a:tcPr/>
@@ -9635,62 +10319,104 @@
                       <a:endParaRPr lang="ko-KR" altLang="en-US"/>
                     </a:p>
                   </a:txBody>
-                  <a:tcPr/>
-                </a:tc>
-                <a:tc>
-                  <a:txBody>
-                    <a:bodyPr/>
-                    <a:lstStyle/>
-                    <a:p>
-                      <a:pPr latinLnBrk="1"/>
-                      <a:endParaRPr lang="ko-KR" altLang="en-US"/>
-                    </a:p>
-                  </a:txBody>
-                  <a:tcPr/>
-                </a:tc>
-                <a:tc>
-                  <a:txBody>
-                    <a:bodyPr/>
-                    <a:lstStyle/>
-                    <a:p>
-                      <a:pPr latinLnBrk="1"/>
-                      <a:endParaRPr lang="ko-KR" altLang="en-US"/>
-                    </a:p>
-                  </a:txBody>
-                  <a:tcPr/>
-                </a:tc>
-                <a:tc>
-                  <a:txBody>
-                    <a:bodyPr/>
-                    <a:lstStyle/>
-                    <a:p>
-                      <a:pPr latinLnBrk="1"/>
-                      <a:endParaRPr lang="ko-KR" altLang="en-US"/>
-                    </a:p>
-                  </a:txBody>
-                  <a:tcPr/>
-                </a:tc>
-                <a:tc>
-                  <a:txBody>
-                    <a:bodyPr/>
-                    <a:lstStyle/>
-                    <a:p>
-                      <a:pPr latinLnBrk="1"/>
-                      <a:endParaRPr lang="ko-KR" altLang="en-US"/>
-                    </a:p>
-                  </a:txBody>
-                  <a:tcPr/>
-                </a:tc>
-                <a:tc>
-                  <a:txBody>
-                    <a:bodyPr/>
-                    <a:lstStyle/>
-                    <a:p>
-                      <a:pPr latinLnBrk="1"/>
-                      <a:endParaRPr lang="ko-KR" altLang="en-US"/>
-                    </a:p>
-                  </a:txBody>
-                  <a:tcPr/>
+                  <a:tcPr>
+                    <a:solidFill>
+                      <a:schemeClr val="accent2">
+                        <a:lumMod val="20000"/>
+                        <a:lumOff val="80000"/>
+                      </a:schemeClr>
+                    </a:solidFill>
+                  </a:tcPr>
+                </a:tc>
+                <a:tc>
+                  <a:txBody>
+                    <a:bodyPr/>
+                    <a:lstStyle/>
+                    <a:p>
+                      <a:pPr latinLnBrk="1"/>
+                      <a:endParaRPr lang="ko-KR" altLang="en-US" dirty="0"/>
+                    </a:p>
+                  </a:txBody>
+                  <a:tcPr>
+                    <a:solidFill>
+                      <a:schemeClr val="accent2">
+                        <a:lumMod val="20000"/>
+                        <a:lumOff val="80000"/>
+                      </a:schemeClr>
+                    </a:solidFill>
+                  </a:tcPr>
+                </a:tc>
+                <a:tc>
+                  <a:txBody>
+                    <a:bodyPr/>
+                    <a:lstStyle/>
+                    <a:p>
+                      <a:pPr latinLnBrk="1"/>
+                      <a:endParaRPr lang="ko-KR" altLang="en-US"/>
+                    </a:p>
+                  </a:txBody>
+                  <a:tcPr>
+                    <a:solidFill>
+                      <a:schemeClr val="accent2">
+                        <a:lumMod val="20000"/>
+                        <a:lumOff val="80000"/>
+                      </a:schemeClr>
+                    </a:solidFill>
+                  </a:tcPr>
+                </a:tc>
+                <a:tc>
+                  <a:txBody>
+                    <a:bodyPr/>
+                    <a:lstStyle/>
+                    <a:p>
+                      <a:pPr latinLnBrk="1"/>
+                      <a:endParaRPr lang="ko-KR" altLang="en-US"/>
+                    </a:p>
+                  </a:txBody>
+                  <a:tcPr>
+                    <a:solidFill>
+                      <a:schemeClr val="accent2">
+                        <a:lumMod val="20000"/>
+                        <a:lumOff val="80000"/>
+                      </a:schemeClr>
+                    </a:solidFill>
+                  </a:tcPr>
+                </a:tc>
+                <a:tc>
+                  <a:txBody>
+                    <a:bodyPr/>
+                    <a:lstStyle/>
+                    <a:p>
+                      <a:pPr latinLnBrk="1"/>
+                      <a:endParaRPr lang="ko-KR" altLang="en-US"/>
+                    </a:p>
+                  </a:txBody>
+                  <a:tcPr>
+                    <a:solidFill>
+                      <a:schemeClr val="accent2">
+                        <a:lumMod val="20000"/>
+                        <a:lumOff val="80000"/>
+                      </a:schemeClr>
+                    </a:solidFill>
+                  </a:tcPr>
+                </a:tc>
+                <a:tc>
+                  <a:txBody>
+                    <a:bodyPr/>
+                    <a:lstStyle/>
+                    <a:p>
+                      <a:pPr latinLnBrk="1"/>
+                      <a:endParaRPr lang="ko-KR" altLang="en-US" dirty="0"/>
+                    </a:p>
+                  </a:txBody>
+                  <a:tcPr>
+                    <a:solidFill>
+                      <a:schemeClr val="accent2">
+                        <a:lumMod val="20000"/>
+                        <a:lumOff val="80000"/>
+                      </a:schemeClr>
+                    </a:solidFill>
+                  </a:tcPr>
                 </a:tc>
                 <a:extLst>
                   <a:ext uri="{0D108BD9-81ED-4DB2-BD59-A6C34878D82A}">
@@ -9708,103 +10434,145 @@
                       <a:endParaRPr lang="ko-KR" altLang="en-US"/>
                     </a:p>
                   </a:txBody>
-                  <a:tcPr/>
-                </a:tc>
-                <a:tc>
-                  <a:txBody>
-                    <a:bodyPr/>
-                    <a:lstStyle/>
-                    <a:p>
-                      <a:pPr latinLnBrk="1"/>
-                      <a:endParaRPr lang="ko-KR" altLang="en-US"/>
-                    </a:p>
-                  </a:txBody>
-                  <a:tcPr/>
-                </a:tc>
-                <a:tc>
-                  <a:txBody>
-                    <a:bodyPr/>
-                    <a:lstStyle/>
-                    <a:p>
-                      <a:pPr latinLnBrk="1"/>
-                      <a:endParaRPr lang="ko-KR" altLang="en-US"/>
-                    </a:p>
-                  </a:txBody>
-                  <a:tcPr/>
-                </a:tc>
-                <a:tc>
-                  <a:txBody>
-                    <a:bodyPr/>
-                    <a:lstStyle/>
-                    <a:p>
-                      <a:pPr latinLnBrk="1"/>
-                      <a:endParaRPr lang="ko-KR" altLang="en-US"/>
-                    </a:p>
-                  </a:txBody>
-                  <a:tcPr/>
-                </a:tc>
-                <a:tc>
-                  <a:txBody>
-                    <a:bodyPr/>
-                    <a:lstStyle/>
-                    <a:p>
-                      <a:pPr latinLnBrk="1"/>
-                      <a:endParaRPr lang="ko-KR" altLang="en-US"/>
-                    </a:p>
-                  </a:txBody>
-                  <a:tcPr/>
-                </a:tc>
-                <a:tc>
-                  <a:txBody>
-                    <a:bodyPr/>
-                    <a:lstStyle/>
-                    <a:p>
-                      <a:pPr latinLnBrk="1"/>
-                      <a:endParaRPr lang="ko-KR" altLang="en-US"/>
-                    </a:p>
-                  </a:txBody>
-                  <a:tcPr/>
-                </a:tc>
-                <a:tc>
-                  <a:txBody>
-                    <a:bodyPr/>
-                    <a:lstStyle/>
-                    <a:p>
-                      <a:pPr latinLnBrk="1"/>
-                      <a:endParaRPr lang="ko-KR" altLang="en-US"/>
-                    </a:p>
-                  </a:txBody>
-                  <a:tcPr/>
-                </a:tc>
-                <a:tc>
-                  <a:txBody>
-                    <a:bodyPr/>
-                    <a:lstStyle/>
-                    <a:p>
-                      <a:pPr latinLnBrk="1"/>
-                      <a:endParaRPr lang="ko-KR" altLang="en-US"/>
-                    </a:p>
-                  </a:txBody>
-                  <a:tcPr/>
-                </a:tc>
-                <a:tc>
-                  <a:txBody>
-                    <a:bodyPr/>
-                    <a:lstStyle/>
-                    <a:p>
-                      <a:pPr latinLnBrk="1"/>
-                      <a:endParaRPr lang="ko-KR" altLang="en-US"/>
-                    </a:p>
-                  </a:txBody>
-                  <a:tcPr/>
-                </a:tc>
-                <a:tc>
-                  <a:txBody>
-                    <a:bodyPr/>
-                    <a:lstStyle/>
-                    <a:p>
-                      <a:pPr latinLnBrk="1"/>
-                      <a:endParaRPr lang="ko-KR" altLang="en-US"/>
+                  <a:tcPr>
+                    <a:solidFill>
+                      <a:schemeClr val="accent2">
+                        <a:lumMod val="20000"/>
+                        <a:lumOff val="80000"/>
+                      </a:schemeClr>
+                    </a:solidFill>
+                  </a:tcPr>
+                </a:tc>
+                <a:tc>
+                  <a:txBody>
+                    <a:bodyPr/>
+                    <a:lstStyle/>
+                    <a:p>
+                      <a:pPr latinLnBrk="1"/>
+                      <a:endParaRPr lang="ko-KR" altLang="en-US" dirty="0"/>
+                    </a:p>
+                  </a:txBody>
+                  <a:tcPr>
+                    <a:solidFill>
+                      <a:schemeClr val="accent2">
+                        <a:lumMod val="20000"/>
+                        <a:lumOff val="80000"/>
+                      </a:schemeClr>
+                    </a:solidFill>
+                  </a:tcPr>
+                </a:tc>
+                <a:tc>
+                  <a:txBody>
+                    <a:bodyPr/>
+                    <a:lstStyle/>
+                    <a:p>
+                      <a:pPr latinLnBrk="1"/>
+                      <a:endParaRPr lang="ko-KR" altLang="en-US" dirty="0"/>
+                    </a:p>
+                  </a:txBody>
+                  <a:tcPr>
+                    <a:solidFill>
+                      <a:schemeClr val="accent2">
+                        <a:lumMod val="20000"/>
+                        <a:lumOff val="80000"/>
+                      </a:schemeClr>
+                    </a:solidFill>
+                  </a:tcPr>
+                </a:tc>
+                <a:tc>
+                  <a:txBody>
+                    <a:bodyPr/>
+                    <a:lstStyle/>
+                    <a:p>
+                      <a:pPr latinLnBrk="1"/>
+                      <a:endParaRPr lang="ko-KR" altLang="en-US"/>
+                    </a:p>
+                  </a:txBody>
+                  <a:tcPr>
+                    <a:solidFill>
+                      <a:schemeClr val="accent2">
+                        <a:lumMod val="20000"/>
+                        <a:lumOff val="80000"/>
+                      </a:schemeClr>
+                    </a:solidFill>
+                  </a:tcPr>
+                </a:tc>
+                <a:tc>
+                  <a:txBody>
+                    <a:bodyPr/>
+                    <a:lstStyle/>
+                    <a:p>
+                      <a:pPr latinLnBrk="1"/>
+                      <a:endParaRPr lang="ko-KR" altLang="en-US" dirty="0"/>
+                    </a:p>
+                  </a:txBody>
+                  <a:tcPr>
+                    <a:solidFill>
+                      <a:schemeClr val="accent2">
+                        <a:lumMod val="20000"/>
+                        <a:lumOff val="80000"/>
+                      </a:schemeClr>
+                    </a:solidFill>
+                  </a:tcPr>
+                </a:tc>
+                <a:tc>
+                  <a:txBody>
+                    <a:bodyPr/>
+                    <a:lstStyle/>
+                    <a:p>
+                      <a:pPr latinLnBrk="1"/>
+                      <a:endParaRPr lang="ko-KR" altLang="en-US" dirty="0"/>
+                    </a:p>
+                  </a:txBody>
+                  <a:tcPr>
+                    <a:solidFill>
+                      <a:schemeClr val="accent2">
+                        <a:lumMod val="20000"/>
+                        <a:lumOff val="80000"/>
+                      </a:schemeClr>
+                    </a:solidFill>
+                  </a:tcPr>
+                </a:tc>
+                <a:tc>
+                  <a:txBody>
+                    <a:bodyPr/>
+                    <a:lstStyle/>
+                    <a:p>
+                      <a:pPr latinLnBrk="1"/>
+                      <a:endParaRPr lang="ko-KR" altLang="en-US" dirty="0"/>
+                    </a:p>
+                  </a:txBody>
+                  <a:tcPr/>
+                </a:tc>
+                <a:tc>
+                  <a:txBody>
+                    <a:bodyPr/>
+                    <a:lstStyle/>
+                    <a:p>
+                      <a:pPr latinLnBrk="1"/>
+                      <a:endParaRPr lang="ko-KR" altLang="en-US" dirty="0"/>
+                    </a:p>
+                  </a:txBody>
+                  <a:tcPr/>
+                </a:tc>
+                <a:tc>
+                  <a:txBody>
+                    <a:bodyPr/>
+                    <a:lstStyle/>
+                    <a:p>
+                      <a:pPr latinLnBrk="1"/>
+                      <a:endParaRPr lang="ko-KR" altLang="en-US"/>
+                    </a:p>
+                  </a:txBody>
+                  <a:tcPr/>
+                </a:tc>
+                <a:tc>
+                  <a:txBody>
+                    <a:bodyPr/>
+                    <a:lstStyle/>
+                    <a:p>
+                      <a:pPr latinLnBrk="1"/>
+                      <a:endParaRPr lang="ko-KR" altLang="en-US" dirty="0"/>
                     </a:p>
                   </a:txBody>
                   <a:tcPr/>
@@ -10020,62 +10788,104 @@
                       <a:endParaRPr lang="ko-KR" altLang="en-US"/>
                     </a:p>
                   </a:txBody>
-                  <a:tcPr/>
-                </a:tc>
-                <a:tc>
-                  <a:txBody>
-                    <a:bodyPr/>
-                    <a:lstStyle/>
-                    <a:p>
-                      <a:pPr latinLnBrk="1"/>
-                      <a:endParaRPr lang="ko-KR" altLang="en-US"/>
-                    </a:p>
-                  </a:txBody>
-                  <a:tcPr/>
-                </a:tc>
-                <a:tc>
-                  <a:txBody>
-                    <a:bodyPr/>
-                    <a:lstStyle/>
-                    <a:p>
-                      <a:pPr latinLnBrk="1"/>
-                      <a:endParaRPr lang="ko-KR" altLang="en-US"/>
-                    </a:p>
-                  </a:txBody>
-                  <a:tcPr/>
-                </a:tc>
-                <a:tc>
-                  <a:txBody>
-                    <a:bodyPr/>
-                    <a:lstStyle/>
-                    <a:p>
-                      <a:pPr latinLnBrk="1"/>
-                      <a:endParaRPr lang="ko-KR" altLang="en-US"/>
-                    </a:p>
-                  </a:txBody>
-                  <a:tcPr/>
-                </a:tc>
-                <a:tc>
-                  <a:txBody>
-                    <a:bodyPr/>
-                    <a:lstStyle/>
-                    <a:p>
-                      <a:pPr latinLnBrk="1"/>
-                      <a:endParaRPr lang="ko-KR" altLang="en-US"/>
-                    </a:p>
-                  </a:txBody>
-                  <a:tcPr/>
-                </a:tc>
-                <a:tc>
-                  <a:txBody>
-                    <a:bodyPr/>
-                    <a:lstStyle/>
-                    <a:p>
-                      <a:pPr latinLnBrk="1"/>
-                      <a:endParaRPr lang="ko-KR" altLang="en-US"/>
-                    </a:p>
-                  </a:txBody>
-                  <a:tcPr/>
+                  <a:tcPr>
+                    <a:solidFill>
+                      <a:schemeClr val="accent2">
+                        <a:lumMod val="20000"/>
+                        <a:lumOff val="80000"/>
+                      </a:schemeClr>
+                    </a:solidFill>
+                  </a:tcPr>
+                </a:tc>
+                <a:tc>
+                  <a:txBody>
+                    <a:bodyPr/>
+                    <a:lstStyle/>
+                    <a:p>
+                      <a:pPr latinLnBrk="1"/>
+                      <a:endParaRPr lang="ko-KR" altLang="en-US"/>
+                    </a:p>
+                  </a:txBody>
+                  <a:tcPr>
+                    <a:solidFill>
+                      <a:schemeClr val="accent2">
+                        <a:lumMod val="20000"/>
+                        <a:lumOff val="80000"/>
+                      </a:schemeClr>
+                    </a:solidFill>
+                  </a:tcPr>
+                </a:tc>
+                <a:tc>
+                  <a:txBody>
+                    <a:bodyPr/>
+                    <a:lstStyle/>
+                    <a:p>
+                      <a:pPr latinLnBrk="1"/>
+                      <a:endParaRPr lang="ko-KR" altLang="en-US"/>
+                    </a:p>
+                  </a:txBody>
+                  <a:tcPr>
+                    <a:solidFill>
+                      <a:schemeClr val="accent2">
+                        <a:lumMod val="20000"/>
+                        <a:lumOff val="80000"/>
+                      </a:schemeClr>
+                    </a:solidFill>
+                  </a:tcPr>
+                </a:tc>
+                <a:tc>
+                  <a:txBody>
+                    <a:bodyPr/>
+                    <a:lstStyle/>
+                    <a:p>
+                      <a:pPr latinLnBrk="1"/>
+                      <a:endParaRPr lang="ko-KR" altLang="en-US" dirty="0"/>
+                    </a:p>
+                  </a:txBody>
+                  <a:tcPr>
+                    <a:solidFill>
+                      <a:schemeClr val="accent2">
+                        <a:lumMod val="20000"/>
+                        <a:lumOff val="80000"/>
+                      </a:schemeClr>
+                    </a:solidFill>
+                  </a:tcPr>
+                </a:tc>
+                <a:tc>
+                  <a:txBody>
+                    <a:bodyPr/>
+                    <a:lstStyle/>
+                    <a:p>
+                      <a:pPr latinLnBrk="1"/>
+                      <a:endParaRPr lang="ko-KR" altLang="en-US" dirty="0"/>
+                    </a:p>
+                  </a:txBody>
+                  <a:tcPr>
+                    <a:solidFill>
+                      <a:schemeClr val="accent2">
+                        <a:lumMod val="20000"/>
+                        <a:lumOff val="80000"/>
+                      </a:schemeClr>
+                    </a:solidFill>
+                  </a:tcPr>
+                </a:tc>
+                <a:tc>
+                  <a:txBody>
+                    <a:bodyPr/>
+                    <a:lstStyle/>
+                    <a:p>
+                      <a:pPr latinLnBrk="1"/>
+                      <a:endParaRPr lang="ko-KR" altLang="en-US" dirty="0"/>
+                    </a:p>
+                  </a:txBody>
+                  <a:tcPr>
+                    <a:solidFill>
+                      <a:schemeClr val="accent2">
+                        <a:lumMod val="20000"/>
+                        <a:lumOff val="80000"/>
+                      </a:schemeClr>
+                    </a:solidFill>
+                  </a:tcPr>
                 </a:tc>
                 <a:extLst>
                   <a:ext uri="{0D108BD9-81ED-4DB2-BD59-A6C34878D82A}">
@@ -10093,161 +10903,259 @@
                       <a:endParaRPr lang="ko-KR" altLang="en-US"/>
                     </a:p>
                   </a:txBody>
-                  <a:tcPr/>
-                </a:tc>
-                <a:tc>
-                  <a:txBody>
-                    <a:bodyPr/>
-                    <a:lstStyle/>
-                    <a:p>
-                      <a:pPr latinLnBrk="1"/>
-                      <a:endParaRPr lang="ko-KR" altLang="en-US"/>
-                    </a:p>
-                  </a:txBody>
-                  <a:tcPr/>
-                </a:tc>
-                <a:tc>
-                  <a:txBody>
-                    <a:bodyPr/>
-                    <a:lstStyle/>
-                    <a:p>
-                      <a:pPr latinLnBrk="1"/>
-                      <a:endParaRPr lang="ko-KR" altLang="en-US"/>
-                    </a:p>
-                  </a:txBody>
-                  <a:tcPr/>
-                </a:tc>
-                <a:tc>
-                  <a:txBody>
-                    <a:bodyPr/>
-                    <a:lstStyle/>
-                    <a:p>
-                      <a:pPr latinLnBrk="1"/>
-                      <a:endParaRPr lang="ko-KR" altLang="en-US"/>
-                    </a:p>
-                  </a:txBody>
-                  <a:tcPr/>
-                </a:tc>
-                <a:tc>
-                  <a:txBody>
-                    <a:bodyPr/>
-                    <a:lstStyle/>
-                    <a:p>
-                      <a:pPr latinLnBrk="1"/>
-                      <a:endParaRPr lang="ko-KR" altLang="en-US"/>
-                    </a:p>
-                  </a:txBody>
-                  <a:tcPr/>
-                </a:tc>
-                <a:tc>
-                  <a:txBody>
-                    <a:bodyPr/>
-                    <a:lstStyle/>
-                    <a:p>
-                      <a:pPr latinLnBrk="1"/>
-                      <a:endParaRPr lang="ko-KR" altLang="en-US"/>
-                    </a:p>
-                  </a:txBody>
-                  <a:tcPr/>
-                </a:tc>
-                <a:tc>
-                  <a:txBody>
-                    <a:bodyPr/>
-                    <a:lstStyle/>
-                    <a:p>
-                      <a:pPr latinLnBrk="1"/>
-                      <a:endParaRPr lang="ko-KR" altLang="en-US"/>
-                    </a:p>
-                  </a:txBody>
-                  <a:tcPr/>
-                </a:tc>
-                <a:tc>
-                  <a:txBody>
-                    <a:bodyPr/>
-                    <a:lstStyle/>
-                    <a:p>
-                      <a:pPr latinLnBrk="1"/>
-                      <a:endParaRPr lang="ko-KR" altLang="en-US"/>
-                    </a:p>
-                  </a:txBody>
-                  <a:tcPr/>
-                </a:tc>
-                <a:tc>
-                  <a:txBody>
-                    <a:bodyPr/>
-                    <a:lstStyle/>
-                    <a:p>
-                      <a:pPr latinLnBrk="1"/>
-                      <a:endParaRPr lang="ko-KR" altLang="en-US"/>
-                    </a:p>
-                  </a:txBody>
-                  <a:tcPr/>
-                </a:tc>
-                <a:tc>
-                  <a:txBody>
-                    <a:bodyPr/>
-                    <a:lstStyle/>
-                    <a:p>
-                      <a:pPr latinLnBrk="1"/>
-                      <a:endParaRPr lang="ko-KR" altLang="en-US"/>
-                    </a:p>
-                  </a:txBody>
-                  <a:tcPr/>
-                </a:tc>
-                <a:tc>
-                  <a:txBody>
-                    <a:bodyPr/>
-                    <a:lstStyle/>
-                    <a:p>
-                      <a:pPr latinLnBrk="1"/>
-                      <a:endParaRPr lang="ko-KR" altLang="en-US"/>
-                    </a:p>
-                  </a:txBody>
-                  <a:tcPr/>
-                </a:tc>
-                <a:tc>
-                  <a:txBody>
-                    <a:bodyPr/>
-                    <a:lstStyle/>
-                    <a:p>
-                      <a:pPr latinLnBrk="1"/>
-                      <a:endParaRPr lang="ko-KR" altLang="en-US"/>
-                    </a:p>
-                  </a:txBody>
-                  <a:tcPr/>
-                </a:tc>
-                <a:tc>
-                  <a:txBody>
-                    <a:bodyPr/>
-                    <a:lstStyle/>
-                    <a:p>
-                      <a:pPr latinLnBrk="1"/>
-                      <a:endParaRPr lang="ko-KR" altLang="en-US"/>
-                    </a:p>
-                  </a:txBody>
-                  <a:tcPr/>
-                </a:tc>
-                <a:tc>
-                  <a:txBody>
-                    <a:bodyPr/>
-                    <a:lstStyle/>
-                    <a:p>
-                      <a:pPr latinLnBrk="1"/>
-                      <a:endParaRPr lang="ko-KR" altLang="en-US"/>
-                    </a:p>
-                  </a:txBody>
-                  <a:tcPr/>
-                </a:tc>
-                <a:tc>
-                  <a:txBody>
-                    <a:bodyPr/>
-                    <a:lstStyle/>
-                    <a:p>
-                      <a:pPr latinLnBrk="1"/>
-                      <a:endParaRPr lang="ko-KR" altLang="en-US"/>
-                    </a:p>
-                  </a:txBody>
-                  <a:tcPr/>
+                  <a:tcPr>
+                    <a:solidFill>
+                      <a:schemeClr val="accent2">
+                        <a:lumMod val="20000"/>
+                        <a:lumOff val="80000"/>
+                      </a:schemeClr>
+                    </a:solidFill>
+                  </a:tcPr>
+                </a:tc>
+                <a:tc>
+                  <a:txBody>
+                    <a:bodyPr/>
+                    <a:lstStyle/>
+                    <a:p>
+                      <a:pPr latinLnBrk="1"/>
+                      <a:endParaRPr lang="ko-KR" altLang="en-US"/>
+                    </a:p>
+                  </a:txBody>
+                  <a:tcPr>
+                    <a:solidFill>
+                      <a:schemeClr val="accent2">
+                        <a:lumMod val="20000"/>
+                        <a:lumOff val="80000"/>
+                      </a:schemeClr>
+                    </a:solidFill>
+                  </a:tcPr>
+                </a:tc>
+                <a:tc>
+                  <a:txBody>
+                    <a:bodyPr/>
+                    <a:lstStyle/>
+                    <a:p>
+                      <a:pPr latinLnBrk="1"/>
+                      <a:endParaRPr lang="ko-KR" altLang="en-US" dirty="0"/>
+                    </a:p>
+                  </a:txBody>
+                  <a:tcPr>
+                    <a:solidFill>
+                      <a:schemeClr val="accent2">
+                        <a:lumMod val="20000"/>
+                        <a:lumOff val="80000"/>
+                      </a:schemeClr>
+                    </a:solidFill>
+                  </a:tcPr>
+                </a:tc>
+                <a:tc>
+                  <a:txBody>
+                    <a:bodyPr/>
+                    <a:lstStyle/>
+                    <a:p>
+                      <a:pPr latinLnBrk="1"/>
+                      <a:endParaRPr lang="ko-KR" altLang="en-US"/>
+                    </a:p>
+                  </a:txBody>
+                  <a:tcPr>
+                    <a:solidFill>
+                      <a:schemeClr val="accent2">
+                        <a:lumMod val="20000"/>
+                        <a:lumOff val="80000"/>
+                      </a:schemeClr>
+                    </a:solidFill>
+                  </a:tcPr>
+                </a:tc>
+                <a:tc>
+                  <a:txBody>
+                    <a:bodyPr/>
+                    <a:lstStyle/>
+                    <a:p>
+                      <a:pPr latinLnBrk="1"/>
+                      <a:endParaRPr lang="ko-KR" altLang="en-US"/>
+                    </a:p>
+                  </a:txBody>
+                  <a:tcPr>
+                    <a:solidFill>
+                      <a:schemeClr val="accent2">
+                        <a:lumMod val="20000"/>
+                        <a:lumOff val="80000"/>
+                      </a:schemeClr>
+                    </a:solidFill>
+                  </a:tcPr>
+                </a:tc>
+                <a:tc>
+                  <a:txBody>
+                    <a:bodyPr/>
+                    <a:lstStyle/>
+                    <a:p>
+                      <a:pPr latinLnBrk="1"/>
+                      <a:endParaRPr lang="ko-KR" altLang="en-US" dirty="0"/>
+                    </a:p>
+                  </a:txBody>
+                  <a:tcPr>
+                    <a:solidFill>
+                      <a:schemeClr val="accent2">
+                        <a:lumMod val="20000"/>
+                        <a:lumOff val="80000"/>
+                      </a:schemeClr>
+                    </a:solidFill>
+                  </a:tcPr>
+                </a:tc>
+                <a:tc>
+                  <a:txBody>
+                    <a:bodyPr/>
+                    <a:lstStyle/>
+                    <a:p>
+                      <a:pPr latinLnBrk="1"/>
+                      <a:endParaRPr lang="ko-KR" altLang="en-US" dirty="0"/>
+                    </a:p>
+                  </a:txBody>
+                  <a:tcPr/>
+                </a:tc>
+                <a:tc>
+                  <a:txBody>
+                    <a:bodyPr/>
+                    <a:lstStyle/>
+                    <a:p>
+                      <a:pPr latinLnBrk="1"/>
+                      <a:endParaRPr lang="ko-KR" altLang="en-US" dirty="0"/>
+                    </a:p>
+                  </a:txBody>
+                  <a:tcPr>
+                    <a:solidFill>
+                      <a:schemeClr val="accent1">
+                        <a:lumMod val="20000"/>
+                        <a:lumOff val="80000"/>
+                      </a:schemeClr>
+                    </a:solidFill>
+                  </a:tcPr>
+                </a:tc>
+                <a:tc>
+                  <a:txBody>
+                    <a:bodyPr/>
+                    <a:lstStyle/>
+                    <a:p>
+                      <a:pPr latinLnBrk="1"/>
+                      <a:endParaRPr lang="ko-KR" altLang="en-US" dirty="0"/>
+                    </a:p>
+                  </a:txBody>
+                  <a:tcPr>
+                    <a:solidFill>
+                      <a:schemeClr val="accent1">
+                        <a:lumMod val="20000"/>
+                        <a:lumOff val="80000"/>
+                      </a:schemeClr>
+                    </a:solidFill>
+                  </a:tcPr>
+                </a:tc>
+                <a:tc>
+                  <a:txBody>
+                    <a:bodyPr/>
+                    <a:lstStyle/>
+                    <a:p>
+                      <a:pPr latinLnBrk="1"/>
+                      <a:endParaRPr lang="ko-KR" altLang="en-US"/>
+                    </a:p>
+                  </a:txBody>
+                  <a:tcPr>
+                    <a:solidFill>
+                      <a:schemeClr val="accent1">
+                        <a:lumMod val="20000"/>
+                        <a:lumOff val="80000"/>
+                      </a:schemeClr>
+                    </a:solidFill>
+                  </a:tcPr>
+                </a:tc>
+                <a:tc>
+                  <a:txBody>
+                    <a:bodyPr/>
+                    <a:lstStyle/>
+                    <a:p>
+                      <a:pPr latinLnBrk="1"/>
+                      <a:endParaRPr lang="ko-KR" altLang="en-US"/>
+                    </a:p>
+                  </a:txBody>
+                  <a:tcPr>
+                    <a:solidFill>
+                      <a:schemeClr val="accent1">
+                        <a:lumMod val="20000"/>
+                        <a:lumOff val="80000"/>
+                      </a:schemeClr>
+                    </a:solidFill>
+                  </a:tcPr>
+                </a:tc>
+                <a:tc>
+                  <a:txBody>
+                    <a:bodyPr/>
+                    <a:lstStyle/>
+                    <a:p>
+                      <a:pPr latinLnBrk="1"/>
+                      <a:endParaRPr lang="ko-KR" altLang="en-US"/>
+                    </a:p>
+                  </a:txBody>
+                  <a:tcPr>
+                    <a:solidFill>
+                      <a:schemeClr val="accent1">
+                        <a:lumMod val="20000"/>
+                        <a:lumOff val="80000"/>
+                      </a:schemeClr>
+                    </a:solidFill>
+                  </a:tcPr>
+                </a:tc>
+                <a:tc>
+                  <a:txBody>
+                    <a:bodyPr/>
+                    <a:lstStyle/>
+                    <a:p>
+                      <a:pPr latinLnBrk="1"/>
+                      <a:endParaRPr lang="ko-KR" altLang="en-US"/>
+                    </a:p>
+                  </a:txBody>
+                  <a:tcPr>
+                    <a:solidFill>
+                      <a:schemeClr val="accent1">
+                        <a:lumMod val="20000"/>
+                        <a:lumOff val="80000"/>
+                      </a:schemeClr>
+                    </a:solidFill>
+                  </a:tcPr>
+                </a:tc>
+                <a:tc>
+                  <a:txBody>
+                    <a:bodyPr/>
+                    <a:lstStyle/>
+                    <a:p>
+                      <a:pPr latinLnBrk="1"/>
+                      <a:endParaRPr lang="ko-KR" altLang="en-US"/>
+                    </a:p>
+                  </a:txBody>
+                  <a:tcPr>
+                    <a:solidFill>
+                      <a:schemeClr val="accent1">
+                        <a:lumMod val="20000"/>
+                        <a:lumOff val="80000"/>
+                      </a:schemeClr>
+                    </a:solidFill>
+                  </a:tcPr>
+                </a:tc>
+                <a:tc>
+                  <a:txBody>
+                    <a:bodyPr/>
+                    <a:lstStyle/>
+                    <a:p>
+                      <a:pPr latinLnBrk="1"/>
+                      <a:endParaRPr lang="ko-KR" altLang="en-US"/>
+                    </a:p>
+                  </a:txBody>
+                  <a:tcPr>
+                    <a:solidFill>
+                      <a:schemeClr val="accent1">
+                        <a:lumMod val="20000"/>
+                        <a:lumOff val="80000"/>
+                      </a:schemeClr>
+                    </a:solidFill>
+                  </a:tcPr>
                 </a:tc>
                 <a:tc>
                   <a:txBody>
@@ -10269,7 +11177,10 @@
                       <a:tailEnd type="none" w="med" len="med"/>
                     </a:lnR>
                     <a:solidFill>
-                      <a:schemeClr val="bg1"/>
+                      <a:schemeClr val="accent1">
+                        <a:lumMod val="20000"/>
+                        <a:lumOff val="80000"/>
+                      </a:schemeClr>
                     </a:solidFill>
                   </a:tcPr>
                 </a:tc>
@@ -10293,163 +11204,12 @@
                       <a:tailEnd type="none" w="med" len="med"/>
                     </a:lnL>
                     <a:solidFill>
-                      <a:schemeClr val="bg1"/>
-                    </a:solidFill>
-                  </a:tcPr>
-                </a:tc>
-                <a:tc>
-                  <a:txBody>
-                    <a:bodyPr/>
-                    <a:lstStyle/>
-                    <a:p>
-                      <a:pPr latinLnBrk="1"/>
-                      <a:endParaRPr lang="ko-KR" altLang="en-US"/>
-                    </a:p>
-                  </a:txBody>
-                  <a:tcPr/>
-                </a:tc>
-                <a:tc>
-                  <a:txBody>
-                    <a:bodyPr/>
-                    <a:lstStyle/>
-                    <a:p>
-                      <a:pPr latinLnBrk="1"/>
-                      <a:endParaRPr lang="ko-KR" altLang="en-US"/>
-                    </a:p>
-                  </a:txBody>
-                  <a:tcPr/>
-                </a:tc>
-                <a:tc>
-                  <a:txBody>
-                    <a:bodyPr/>
-                    <a:lstStyle/>
-                    <a:p>
-                      <a:pPr latinLnBrk="1"/>
-                      <a:endParaRPr lang="ko-KR" altLang="en-US"/>
-                    </a:p>
-                  </a:txBody>
-                  <a:tcPr/>
-                </a:tc>
-                <a:tc>
-                  <a:txBody>
-                    <a:bodyPr/>
-                    <a:lstStyle/>
-                    <a:p>
-                      <a:pPr latinLnBrk="1"/>
-                      <a:endParaRPr lang="ko-KR" altLang="en-US"/>
-                    </a:p>
-                  </a:txBody>
-                  <a:tcPr/>
-                </a:tc>
-                <a:tc>
-                  <a:txBody>
-                    <a:bodyPr/>
-                    <a:lstStyle/>
-                    <a:p>
-                      <a:pPr latinLnBrk="1"/>
-                      <a:endParaRPr lang="ko-KR" altLang="en-US"/>
-                    </a:p>
-                  </a:txBody>
-                  <a:tcPr/>
-                </a:tc>
-                <a:tc>
-                  <a:txBody>
-                    <a:bodyPr/>
-                    <a:lstStyle/>
-                    <a:p>
-                      <a:pPr latinLnBrk="1"/>
-                      <a:endParaRPr lang="ko-KR" altLang="en-US"/>
-                    </a:p>
-                  </a:txBody>
-                  <a:tcPr/>
-                </a:tc>
-                <a:tc>
-                  <a:txBody>
-                    <a:bodyPr/>
-                    <a:lstStyle/>
-                    <a:p>
-                      <a:pPr latinLnBrk="1"/>
-                      <a:endParaRPr lang="ko-KR" altLang="en-US"/>
-                    </a:p>
-                  </a:txBody>
-                  <a:tcPr/>
-                </a:tc>
-                <a:tc>
-                  <a:txBody>
-                    <a:bodyPr/>
-                    <a:lstStyle/>
-                    <a:p>
-                      <a:pPr latinLnBrk="1"/>
-                      <a:endParaRPr lang="ko-KR" altLang="en-US"/>
-                    </a:p>
-                  </a:txBody>
-                  <a:tcPr/>
-                </a:tc>
-                <a:tc>
-                  <a:txBody>
-                    <a:bodyPr/>
-                    <a:lstStyle/>
-                    <a:p>
-                      <a:pPr latinLnBrk="1"/>
-                      <a:endParaRPr lang="ko-KR" altLang="en-US"/>
-                    </a:p>
-                  </a:txBody>
-                  <a:tcPr/>
-                </a:tc>
-                <a:tc>
-                  <a:txBody>
-                    <a:bodyPr/>
-                    <a:lstStyle/>
-                    <a:p>
-                      <a:pPr latinLnBrk="1"/>
-                      <a:endParaRPr lang="ko-KR" altLang="en-US"/>
-                    </a:p>
-                  </a:txBody>
-                  <a:tcPr/>
-                </a:tc>
-                <a:tc>
-                  <a:txBody>
-                    <a:bodyPr/>
-                    <a:lstStyle/>
-                    <a:p>
-                      <a:pPr latinLnBrk="1"/>
-                      <a:endParaRPr lang="ko-KR" altLang="en-US"/>
-                    </a:p>
-                  </a:txBody>
-                  <a:tcPr/>
-                </a:tc>
-                <a:tc>
-                  <a:txBody>
-                    <a:bodyPr/>
-                    <a:lstStyle/>
-                    <a:p>
-                      <a:pPr latinLnBrk="1"/>
-                      <a:endParaRPr lang="ko-KR" altLang="en-US"/>
-                    </a:p>
-                  </a:txBody>
-                  <a:tcPr/>
-                </a:tc>
-                <a:tc>
-                  <a:txBody>
-                    <a:bodyPr/>
-                    <a:lstStyle/>
-                    <a:p>
-                      <a:pPr latinLnBrk="1"/>
-                      <a:endParaRPr lang="ko-KR" altLang="en-US"/>
-                    </a:p>
-                  </a:txBody>
-                  <a:tcPr/>
-                </a:tc>
-                <a:tc>
-                  <a:txBody>
-                    <a:bodyPr/>
-                    <a:lstStyle/>
-                    <a:p>
-                      <a:pPr latinLnBrk="1"/>
-                      <a:endParaRPr lang="ko-KR" altLang="en-US"/>
-                    </a:p>
-                  </a:txBody>
-                  <a:tcPr/>
+                      <a:schemeClr val="accent1">
+                        <a:lumMod val="20000"/>
+                        <a:lumOff val="80000"/>
+                      </a:schemeClr>
+                    </a:solidFill>
+                  </a:tcPr>
                 </a:tc>
                 <a:tc>
                   <a:txBody>
@@ -10460,7 +11220,259 @@
                       <a:endParaRPr lang="ko-KR" altLang="en-US" dirty="0"/>
                     </a:p>
                   </a:txBody>
-                  <a:tcPr/>
+                  <a:tcPr>
+                    <a:solidFill>
+                      <a:schemeClr val="accent1">
+                        <a:lumMod val="20000"/>
+                        <a:lumOff val="80000"/>
+                      </a:schemeClr>
+                    </a:solidFill>
+                  </a:tcPr>
+                </a:tc>
+                <a:tc>
+                  <a:txBody>
+                    <a:bodyPr/>
+                    <a:lstStyle/>
+                    <a:p>
+                      <a:pPr latinLnBrk="1"/>
+                      <a:endParaRPr lang="ko-KR" altLang="en-US"/>
+                    </a:p>
+                  </a:txBody>
+                  <a:tcPr>
+                    <a:solidFill>
+                      <a:schemeClr val="accent1">
+                        <a:lumMod val="20000"/>
+                        <a:lumOff val="80000"/>
+                      </a:schemeClr>
+                    </a:solidFill>
+                  </a:tcPr>
+                </a:tc>
+                <a:tc>
+                  <a:txBody>
+                    <a:bodyPr/>
+                    <a:lstStyle/>
+                    <a:p>
+                      <a:pPr latinLnBrk="1"/>
+                      <a:endParaRPr lang="ko-KR" altLang="en-US"/>
+                    </a:p>
+                  </a:txBody>
+                  <a:tcPr>
+                    <a:solidFill>
+                      <a:schemeClr val="accent1">
+                        <a:lumMod val="20000"/>
+                        <a:lumOff val="80000"/>
+                      </a:schemeClr>
+                    </a:solidFill>
+                  </a:tcPr>
+                </a:tc>
+                <a:tc>
+                  <a:txBody>
+                    <a:bodyPr/>
+                    <a:lstStyle/>
+                    <a:p>
+                      <a:pPr latinLnBrk="1"/>
+                      <a:endParaRPr lang="ko-KR" altLang="en-US" dirty="0"/>
+                    </a:p>
+                  </a:txBody>
+                  <a:tcPr>
+                    <a:solidFill>
+                      <a:schemeClr val="accent1">
+                        <a:lumMod val="20000"/>
+                        <a:lumOff val="80000"/>
+                      </a:schemeClr>
+                    </a:solidFill>
+                  </a:tcPr>
+                </a:tc>
+                <a:tc>
+                  <a:txBody>
+                    <a:bodyPr/>
+                    <a:lstStyle/>
+                    <a:p>
+                      <a:pPr latinLnBrk="1"/>
+                      <a:endParaRPr lang="ko-KR" altLang="en-US" dirty="0"/>
+                    </a:p>
+                  </a:txBody>
+                  <a:tcPr>
+                    <a:solidFill>
+                      <a:schemeClr val="accent1">
+                        <a:lumMod val="20000"/>
+                        <a:lumOff val="80000"/>
+                      </a:schemeClr>
+                    </a:solidFill>
+                  </a:tcPr>
+                </a:tc>
+                <a:tc>
+                  <a:txBody>
+                    <a:bodyPr/>
+                    <a:lstStyle/>
+                    <a:p>
+                      <a:pPr latinLnBrk="1"/>
+                      <a:endParaRPr lang="ko-KR" altLang="en-US" dirty="0"/>
+                    </a:p>
+                  </a:txBody>
+                  <a:tcPr>
+                    <a:solidFill>
+                      <a:schemeClr val="accent1">
+                        <a:lumMod val="20000"/>
+                        <a:lumOff val="80000"/>
+                      </a:schemeClr>
+                    </a:solidFill>
+                  </a:tcPr>
+                </a:tc>
+                <a:tc>
+                  <a:txBody>
+                    <a:bodyPr/>
+                    <a:lstStyle/>
+                    <a:p>
+                      <a:pPr latinLnBrk="1"/>
+                      <a:endParaRPr lang="ko-KR" altLang="en-US" dirty="0"/>
+                    </a:p>
+                  </a:txBody>
+                  <a:tcPr>
+                    <a:solidFill>
+                      <a:schemeClr val="accent1">
+                        <a:lumMod val="20000"/>
+                        <a:lumOff val="80000"/>
+                      </a:schemeClr>
+                    </a:solidFill>
+                  </a:tcPr>
+                </a:tc>
+                <a:tc>
+                  <a:txBody>
+                    <a:bodyPr/>
+                    <a:lstStyle/>
+                    <a:p>
+                      <a:pPr latinLnBrk="1"/>
+                      <a:endParaRPr lang="ko-KR" altLang="en-US" dirty="0"/>
+                    </a:p>
+                  </a:txBody>
+                  <a:tcPr>
+                    <a:solidFill>
+                      <a:schemeClr val="accent1">
+                        <a:lumMod val="20000"/>
+                        <a:lumOff val="80000"/>
+                      </a:schemeClr>
+                    </a:solidFill>
+                  </a:tcPr>
+                </a:tc>
+                <a:tc>
+                  <a:txBody>
+                    <a:bodyPr/>
+                    <a:lstStyle/>
+                    <a:p>
+                      <a:pPr latinLnBrk="1"/>
+                      <a:endParaRPr lang="ko-KR" altLang="en-US" dirty="0"/>
+                    </a:p>
+                  </a:txBody>
+                  <a:tcPr/>
+                </a:tc>
+                <a:tc>
+                  <a:txBody>
+                    <a:bodyPr/>
+                    <a:lstStyle/>
+                    <a:p>
+                      <a:pPr latinLnBrk="1"/>
+                      <a:endParaRPr lang="ko-KR" altLang="en-US"/>
+                    </a:p>
+                  </a:txBody>
+                  <a:tcPr>
+                    <a:solidFill>
+                      <a:schemeClr val="accent2">
+                        <a:lumMod val="20000"/>
+                        <a:lumOff val="80000"/>
+                      </a:schemeClr>
+                    </a:solidFill>
+                  </a:tcPr>
+                </a:tc>
+                <a:tc>
+                  <a:txBody>
+                    <a:bodyPr/>
+                    <a:lstStyle/>
+                    <a:p>
+                      <a:pPr latinLnBrk="1"/>
+                      <a:endParaRPr lang="ko-KR" altLang="en-US"/>
+                    </a:p>
+                  </a:txBody>
+                  <a:tcPr>
+                    <a:solidFill>
+                      <a:schemeClr val="accent2">
+                        <a:lumMod val="20000"/>
+                        <a:lumOff val="80000"/>
+                      </a:schemeClr>
+                    </a:solidFill>
+                  </a:tcPr>
+                </a:tc>
+                <a:tc>
+                  <a:txBody>
+                    <a:bodyPr/>
+                    <a:lstStyle/>
+                    <a:p>
+                      <a:pPr latinLnBrk="1"/>
+                      <a:endParaRPr lang="ko-KR" altLang="en-US"/>
+                    </a:p>
+                  </a:txBody>
+                  <a:tcPr>
+                    <a:solidFill>
+                      <a:schemeClr val="accent2">
+                        <a:lumMod val="20000"/>
+                        <a:lumOff val="80000"/>
+                      </a:schemeClr>
+                    </a:solidFill>
+                  </a:tcPr>
+                </a:tc>
+                <a:tc>
+                  <a:txBody>
+                    <a:bodyPr/>
+                    <a:lstStyle/>
+                    <a:p>
+                      <a:pPr latinLnBrk="1"/>
+                      <a:endParaRPr lang="ko-KR" altLang="en-US"/>
+                    </a:p>
+                  </a:txBody>
+                  <a:tcPr>
+                    <a:solidFill>
+                      <a:schemeClr val="accent2">
+                        <a:lumMod val="20000"/>
+                        <a:lumOff val="80000"/>
+                      </a:schemeClr>
+                    </a:solidFill>
+                  </a:tcPr>
+                </a:tc>
+                <a:tc>
+                  <a:txBody>
+                    <a:bodyPr/>
+                    <a:lstStyle/>
+                    <a:p>
+                      <a:pPr latinLnBrk="1"/>
+                      <a:endParaRPr lang="ko-KR" altLang="en-US" dirty="0"/>
+                    </a:p>
+                  </a:txBody>
+                  <a:tcPr>
+                    <a:solidFill>
+                      <a:schemeClr val="accent2">
+                        <a:lumMod val="20000"/>
+                        <a:lumOff val="80000"/>
+                      </a:schemeClr>
+                    </a:solidFill>
+                  </a:tcPr>
+                </a:tc>
+                <a:tc>
+                  <a:txBody>
+                    <a:bodyPr/>
+                    <a:lstStyle/>
+                    <a:p>
+                      <a:pPr latinLnBrk="1"/>
+                      <a:endParaRPr lang="ko-KR" altLang="en-US" dirty="0"/>
+                    </a:p>
+                  </a:txBody>
+                  <a:tcPr>
+                    <a:solidFill>
+                      <a:schemeClr val="accent2">
+                        <a:lumMod val="20000"/>
+                        <a:lumOff val="80000"/>
+                      </a:schemeClr>
+                    </a:solidFill>
+                  </a:tcPr>
                 </a:tc>
                 <a:extLst>
                   <a:ext uri="{0D108BD9-81ED-4DB2-BD59-A6C34878D82A}">
